--- a/課題研究/2015/川手元稀/課題研究発表ポスター-川手.pptx
+++ b/課題研究/2015/川手元稀/課題研究発表ポスター-川手.pptx
@@ -211,7 +211,7 @@
           <a:p>
             <a:fld id="{210935E7-A51F-4FE3-8E46-E43B536CCFB8}" type="datetimeFigureOut">
               <a:rPr kumimoji="1" lang="ja-JP" altLang="en-US" smtClean="0"/>
-              <a:t>2015/12/14</a:t>
+              <a:t>2015/12/16</a:t>
             </a:fld>
             <a:endParaRPr kumimoji="1" lang="ja-JP" altLang="en-US"/>
           </a:p>
@@ -753,7 +753,7 @@
                 </a:solidFill>
               </a:rPr>
               <a:pPr/>
-              <a:t>2015/12/14</a:t>
+              <a:t>2015/12/16</a:t>
             </a:fld>
             <a:endParaRPr lang="ja-JP" altLang="en-US">
               <a:solidFill>
@@ -1030,7 +1030,7 @@
                 </a:solidFill>
               </a:rPr>
               <a:pPr/>
-              <a:t>2015/12/14</a:t>
+              <a:t>2015/12/16</a:t>
             </a:fld>
             <a:endParaRPr lang="ja-JP" altLang="en-US">
               <a:solidFill>
@@ -1279,7 +1279,7 @@
                 </a:solidFill>
               </a:rPr>
               <a:pPr/>
-              <a:t>2015/12/14</a:t>
+              <a:t>2015/12/16</a:t>
             </a:fld>
             <a:endParaRPr lang="ja-JP" altLang="en-US">
               <a:solidFill>
@@ -1518,7 +1518,7 @@
                 </a:solidFill>
               </a:rPr>
               <a:pPr/>
-              <a:t>2015/12/14</a:t>
+              <a:t>2015/12/16</a:t>
             </a:fld>
             <a:endParaRPr lang="ja-JP" altLang="en-US">
               <a:solidFill>
@@ -1822,7 +1822,7 @@
                 </a:solidFill>
               </a:rPr>
               <a:pPr/>
-              <a:t>2015/12/14</a:t>
+              <a:t>2015/12/16</a:t>
             </a:fld>
             <a:endParaRPr lang="ja-JP" altLang="en-US">
               <a:solidFill>
@@ -2198,7 +2198,7 @@
                 </a:solidFill>
               </a:rPr>
               <a:pPr/>
-              <a:t>2015/12/14</a:t>
+              <a:t>2015/12/16</a:t>
             </a:fld>
             <a:endParaRPr lang="ja-JP" altLang="en-US">
               <a:solidFill>
@@ -2678,7 +2678,7 @@
                 </a:solidFill>
               </a:rPr>
               <a:pPr/>
-              <a:t>2015/12/14</a:t>
+              <a:t>2015/12/16</a:t>
             </a:fld>
             <a:endParaRPr lang="ja-JP" altLang="en-US">
               <a:solidFill>
@@ -2833,7 +2833,7 @@
                 </a:solidFill>
               </a:rPr>
               <a:pPr/>
-              <a:t>2015/12/14</a:t>
+              <a:t>2015/12/16</a:t>
             </a:fld>
             <a:endParaRPr lang="ja-JP" altLang="en-US">
               <a:solidFill>
@@ -2965,7 +2965,7 @@
                 </a:solidFill>
               </a:rPr>
               <a:pPr/>
-              <a:t>2015/12/14</a:t>
+              <a:t>2015/12/16</a:t>
             </a:fld>
             <a:endParaRPr lang="ja-JP" altLang="en-US">
               <a:solidFill>
@@ -3312,7 +3312,7 @@
                 </a:solidFill>
               </a:rPr>
               <a:pPr/>
-              <a:t>2015/12/14</a:t>
+              <a:t>2015/12/16</a:t>
             </a:fld>
             <a:endParaRPr lang="ja-JP" altLang="en-US">
               <a:solidFill>
@@ -3580,7 +3580,7 @@
                 </a:solidFill>
               </a:rPr>
               <a:pPr/>
-              <a:t>2015/12/14</a:t>
+              <a:t>2015/12/16</a:t>
             </a:fld>
             <a:endParaRPr lang="ja-JP" altLang="en-US">
               <a:solidFill>
@@ -3861,7 +3861,7 @@
                 </a:solidFill>
               </a:rPr>
               <a:pPr defTabSz="2951897"/>
-              <a:t>2015/12/14</a:t>
+              <a:t>2015/12/16</a:t>
             </a:fld>
             <a:endParaRPr lang="ja-JP" altLang="en-US">
               <a:solidFill>
@@ -4888,15 +4888,7 @@
           <a:p>
             <a:r>
               <a:rPr kumimoji="1" lang="ja-JP" altLang="en-US" sz="5400" dirty="0" smtClean="0"/>
-              <a:t>　津田沼祭の来場者数に関するデータを</a:t>
-            </a:r>
-            <a:r>
-              <a:rPr kumimoji="1" lang="ja-JP" altLang="en-US" sz="5400" dirty="0" smtClean="0"/>
-              <a:t>集め，回帰</a:t>
-            </a:r>
-            <a:r>
-              <a:rPr kumimoji="1" lang="ja-JP" altLang="en-US" sz="5400" dirty="0" smtClean="0"/>
-              <a:t>分析を行う．</a:t>
+              <a:t>　津田沼祭の来場者数に関するデータを集め，回帰分析を行う．</a:t>
             </a:r>
             <a:endParaRPr kumimoji="1" lang="en-US" altLang="ja-JP" sz="5400" dirty="0" smtClean="0"/>
           </a:p>
@@ -4918,11 +4910,7 @@
             </a:r>
             <a:r>
               <a:rPr lang="ja-JP" altLang="en-US" sz="5400" dirty="0" smtClean="0"/>
-              <a:t>日間の</a:t>
-            </a:r>
-            <a:r>
-              <a:rPr lang="ja-JP" altLang="en-US" sz="5400" dirty="0" smtClean="0"/>
-              <a:t>天候</a:t>
+              <a:t>日間の天候</a:t>
             </a:r>
             <a:endParaRPr lang="en-US" altLang="ja-JP" sz="5400" dirty="0"/>
           </a:p>
@@ -4940,7 +4928,7 @@
         <p:spPr>
           <a:xfrm>
             <a:off x="1183930" y="25322083"/>
-            <a:ext cx="19642109" cy="4339650"/>
+            <a:ext cx="16854285" cy="4339650"/>
           </a:xfrm>
           <a:prstGeom prst="rect">
             <a:avLst/>
@@ -4975,8 +4963,15 @@
             </a:r>
             <a:r>
               <a:rPr lang="ja-JP" altLang="en-US" sz="5400" dirty="0" smtClean="0"/>
-              <a:t>有効的な予測式は立てられなかった．</a:t>
-            </a:r>
+              <a:t>有効的な予測式は立てられなかった</a:t>
+            </a:r>
+            <a:r>
+              <a:rPr lang="ja-JP" altLang="en-US" sz="5400" dirty="0" smtClean="0"/>
+              <a:t>．</a:t>
+            </a:r>
+            <a:endParaRPr lang="en-US" altLang="ja-JP" sz="5400" dirty="0" smtClean="0"/>
+          </a:p>
+          <a:p>
             <a:endParaRPr lang="en-US" altLang="ja-JP" sz="5400" dirty="0" smtClean="0"/>
           </a:p>
           <a:p>
@@ -4994,16 +4989,13 @@
             </a:r>
             <a:r>
               <a:rPr lang="ja-JP" altLang="en-US" sz="5400" dirty="0" smtClean="0"/>
-              <a:t>日目の降水量，運営人数であった．</a:t>
+              <a:t>日目の降水量，運営人数であった</a:t>
+            </a:r>
+            <a:r>
+              <a:rPr lang="ja-JP" altLang="en-US" sz="5400" dirty="0" smtClean="0"/>
+              <a:t>．</a:t>
             </a:r>
             <a:endParaRPr lang="en-US" altLang="ja-JP" sz="7200" dirty="0" smtClean="0"/>
-          </a:p>
-          <a:p>
-            <a:r>
-              <a:rPr kumimoji="1" lang="ja-JP" altLang="en-US" sz="5400" dirty="0" smtClean="0"/>
-              <a:t>　</a:t>
-            </a:r>
-            <a:endParaRPr kumimoji="1" lang="en-US" altLang="ja-JP" sz="5400" dirty="0" smtClean="0"/>
           </a:p>
         </p:txBody>
       </p:sp>
@@ -5029,7 +5021,7 @@
           <a:graphicData uri="http://schemas.openxmlformats.org/presentationml/2006/ole">
             <mc:AlternateContent xmlns:mc="http://schemas.openxmlformats.org/markup-compatibility/2006">
               <mc:Choice xmlns:v="urn:schemas-microsoft-com:vml" Requires="v">
-                <p:oleObj spid="_x0000_s1033" name="Acrobat Document" r:id="rId4" imgW="3848025" imgH="2847629" progId="AcroExch.Document.7">
+                <p:oleObj spid="_x0000_s1035" name="Acrobat Document" r:id="rId4" imgW="3848025" imgH="2847629" progId="AcroExch.Document.7">
                   <p:embed/>
                 </p:oleObj>
               </mc:Choice>
@@ -5110,6 +5102,63 @@
           </a:p>
         </p:txBody>
       </p:sp>
+      <p:graphicFrame>
+        <p:nvGraphicFramePr>
+          <p:cNvPr id="14" name="オブジェクト 13"/>
+          <p:cNvGraphicFramePr>
+            <a:graphicFrameLocks noChangeAspect="1"/>
+          </p:cNvGraphicFramePr>
+          <p:nvPr>
+            <p:extLst>
+              <p:ext uri="{D42A27DB-BD31-4B8C-83A1-F6EECF244321}">
+                <p14:modId xmlns:p14="http://schemas.microsoft.com/office/powerpoint/2010/main" val="1395508455"/>
+              </p:ext>
+            </p:extLst>
+          </p:nvPr>
+        </p:nvGraphicFramePr>
+        <p:xfrm>
+          <a:off x="12994309" y="23367352"/>
+          <a:ext cx="8392491" cy="4530885"/>
+        </p:xfrm>
+        <a:graphic>
+          <a:graphicData uri="http://schemas.openxmlformats.org/presentationml/2006/ole">
+            <mc:AlternateContent xmlns:mc="http://schemas.openxmlformats.org/markup-compatibility/2006">
+              <mc:Choice xmlns:v="urn:schemas-microsoft-com:vml" Requires="v">
+                <p:oleObj spid="_x0000_s1036" name="Acrobat Document" r:id="rId6" imgW="2095395" imgH="1076178" progId="AcroExch.Document.7">
+                  <p:embed/>
+                </p:oleObj>
+              </mc:Choice>
+              <mc:Fallback>
+                <p:oleObj name="Acrobat Document" r:id="rId6" imgW="2095395" imgH="1076178" progId="AcroExch.Document.7">
+                  <p:embed/>
+                  <p:pic>
+                    <p:nvPicPr>
+                      <p:cNvPr id="0" name=""/>
+                      <p:cNvPicPr/>
+                      <p:nvPr/>
+                    </p:nvPicPr>
+                    <p:blipFill>
+                      <a:blip r:embed="rId7"/>
+                      <a:stretch>
+                        <a:fillRect/>
+                      </a:stretch>
+                    </p:blipFill>
+                    <p:spPr>
+                      <a:xfrm>
+                        <a:off x="12994309" y="23367352"/>
+                        <a:ext cx="8392491" cy="4530885"/>
+                      </a:xfrm>
+                      <a:prstGeom prst="rect">
+                        <a:avLst/>
+                      </a:prstGeom>
+                    </p:spPr>
+                  </p:pic>
+                </p:oleObj>
+              </mc:Fallback>
+            </mc:AlternateContent>
+          </a:graphicData>
+        </a:graphic>
+      </p:graphicFrame>
     </p:spTree>
     <p:extLst>
       <p:ext uri="{BB962C8B-B14F-4D97-AF65-F5344CB8AC3E}">

--- a/課題研究/2015/川手元稀/課題研究発表ポスター-川手.pptx
+++ b/課題研究/2015/川手元稀/課題研究発表ポスター-川手.pptx
@@ -211,7 +211,7 @@
           <a:p>
             <a:fld id="{210935E7-A51F-4FE3-8E46-E43B536CCFB8}" type="datetimeFigureOut">
               <a:rPr kumimoji="1" lang="ja-JP" altLang="en-US" smtClean="0"/>
-              <a:t>2015/12/16</a:t>
+              <a:t>2015/12/17</a:t>
             </a:fld>
             <a:endParaRPr kumimoji="1" lang="ja-JP" altLang="en-US"/>
           </a:p>
@@ -753,7 +753,7 @@
                 </a:solidFill>
               </a:rPr>
               <a:pPr/>
-              <a:t>2015/12/16</a:t>
+              <a:t>2015/12/17</a:t>
             </a:fld>
             <a:endParaRPr lang="ja-JP" altLang="en-US">
               <a:solidFill>
@@ -1030,7 +1030,7 @@
                 </a:solidFill>
               </a:rPr>
               <a:pPr/>
-              <a:t>2015/12/16</a:t>
+              <a:t>2015/12/17</a:t>
             </a:fld>
             <a:endParaRPr lang="ja-JP" altLang="en-US">
               <a:solidFill>
@@ -1279,7 +1279,7 @@
                 </a:solidFill>
               </a:rPr>
               <a:pPr/>
-              <a:t>2015/12/16</a:t>
+              <a:t>2015/12/17</a:t>
             </a:fld>
             <a:endParaRPr lang="ja-JP" altLang="en-US">
               <a:solidFill>
@@ -1518,7 +1518,7 @@
                 </a:solidFill>
               </a:rPr>
               <a:pPr/>
-              <a:t>2015/12/16</a:t>
+              <a:t>2015/12/17</a:t>
             </a:fld>
             <a:endParaRPr lang="ja-JP" altLang="en-US">
               <a:solidFill>
@@ -1822,7 +1822,7 @@
                 </a:solidFill>
               </a:rPr>
               <a:pPr/>
-              <a:t>2015/12/16</a:t>
+              <a:t>2015/12/17</a:t>
             </a:fld>
             <a:endParaRPr lang="ja-JP" altLang="en-US">
               <a:solidFill>
@@ -2198,7 +2198,7 @@
                 </a:solidFill>
               </a:rPr>
               <a:pPr/>
-              <a:t>2015/12/16</a:t>
+              <a:t>2015/12/17</a:t>
             </a:fld>
             <a:endParaRPr lang="ja-JP" altLang="en-US">
               <a:solidFill>
@@ -2678,7 +2678,7 @@
                 </a:solidFill>
               </a:rPr>
               <a:pPr/>
-              <a:t>2015/12/16</a:t>
+              <a:t>2015/12/17</a:t>
             </a:fld>
             <a:endParaRPr lang="ja-JP" altLang="en-US">
               <a:solidFill>
@@ -2833,7 +2833,7 @@
                 </a:solidFill>
               </a:rPr>
               <a:pPr/>
-              <a:t>2015/12/16</a:t>
+              <a:t>2015/12/17</a:t>
             </a:fld>
             <a:endParaRPr lang="ja-JP" altLang="en-US">
               <a:solidFill>
@@ -2965,7 +2965,7 @@
                 </a:solidFill>
               </a:rPr>
               <a:pPr/>
-              <a:t>2015/12/16</a:t>
+              <a:t>2015/12/17</a:t>
             </a:fld>
             <a:endParaRPr lang="ja-JP" altLang="en-US">
               <a:solidFill>
@@ -3312,7 +3312,7 @@
                 </a:solidFill>
               </a:rPr>
               <a:pPr/>
-              <a:t>2015/12/16</a:t>
+              <a:t>2015/12/17</a:t>
             </a:fld>
             <a:endParaRPr lang="ja-JP" altLang="en-US">
               <a:solidFill>
@@ -3580,7 +3580,7 @@
                 </a:solidFill>
               </a:rPr>
               <a:pPr/>
-              <a:t>2015/12/16</a:t>
+              <a:t>2015/12/17</a:t>
             </a:fld>
             <a:endParaRPr lang="ja-JP" altLang="en-US">
               <a:solidFill>
@@ -3861,7 +3861,7 @@
                 </a:solidFill>
               </a:rPr>
               <a:pPr defTabSz="2951897"/>
-              <a:t>2015/12/16</a:t>
+              <a:t>2015/12/17</a:t>
             </a:fld>
             <a:endParaRPr lang="ja-JP" altLang="en-US">
               <a:solidFill>
@@ -4425,7 +4425,7 @@
         <p:spPr>
           <a:xfrm flipH="1">
             <a:off x="394041" y="204693"/>
-            <a:ext cx="20431999" cy="5093702"/>
+            <a:ext cx="20431999" cy="5278368"/>
           </a:xfrm>
           <a:prstGeom prst="rect">
             <a:avLst/>
@@ -4444,14 +4444,14 @@
               </a:lnSpc>
             </a:pPr>
             <a:r>
-              <a:rPr lang="ja-JP" altLang="en-US" sz="8000" dirty="0" smtClean="0">
-                <a:ln w="0"/>
-              </a:rPr>
-              <a:t>津田沼祭における来場者数の予測式の作成</a:t>
-            </a:r>
-            <a:endParaRPr lang="en-US" altLang="ja-JP" sz="8000" dirty="0" smtClean="0">
-              <a:ln w="0"/>
-            </a:endParaRPr>
+              <a:rPr lang="ja-JP" altLang="en-US" sz="8800" dirty="0"/>
+              <a:t>大学祭来場者数を予測する数理</a:t>
+            </a:r>
+            <a:r>
+              <a:rPr lang="ja-JP" altLang="en-US" sz="8800" dirty="0" smtClean="0"/>
+              <a:t>モデル</a:t>
+            </a:r>
+            <a:endParaRPr lang="en-US" altLang="ja-JP" sz="8800" dirty="0" smtClean="0"/>
           </a:p>
           <a:p>
             <a:pPr algn="r">
@@ -4963,11 +4963,7 @@
             </a:r>
             <a:r>
               <a:rPr lang="ja-JP" altLang="en-US" sz="5400" dirty="0" smtClean="0"/>
-              <a:t>有効的な予測式は立てられなかった</a:t>
-            </a:r>
-            <a:r>
-              <a:rPr lang="ja-JP" altLang="en-US" sz="5400" dirty="0" smtClean="0"/>
-              <a:t>．</a:t>
+              <a:t>有効的な予測式は立てられなかった．</a:t>
             </a:r>
             <a:endParaRPr lang="en-US" altLang="ja-JP" sz="5400" dirty="0" smtClean="0"/>
           </a:p>
@@ -4989,11 +4985,7 @@
             </a:r>
             <a:r>
               <a:rPr lang="ja-JP" altLang="en-US" sz="5400" dirty="0" smtClean="0"/>
-              <a:t>日目の降水量，運営人数であった</a:t>
-            </a:r>
-            <a:r>
-              <a:rPr lang="ja-JP" altLang="en-US" sz="5400" dirty="0" smtClean="0"/>
-              <a:t>．</a:t>
+              <a:t>日目の降水量，運営人数であった．</a:t>
             </a:r>
             <a:endParaRPr lang="en-US" altLang="ja-JP" sz="7200" dirty="0" smtClean="0"/>
           </a:p>
@@ -5021,7 +5013,7 @@
           <a:graphicData uri="http://schemas.openxmlformats.org/presentationml/2006/ole">
             <mc:AlternateContent xmlns:mc="http://schemas.openxmlformats.org/markup-compatibility/2006">
               <mc:Choice xmlns:v="urn:schemas-microsoft-com:vml" Requires="v">
-                <p:oleObj spid="_x0000_s1035" name="Acrobat Document" r:id="rId4" imgW="3848025" imgH="2847629" progId="AcroExch.Document.7">
+                <p:oleObj spid="_x0000_s1037" name="Acrobat Document" r:id="rId4" imgW="3848025" imgH="2847629" progId="AcroExch.Document.7">
                   <p:embed/>
                 </p:oleObj>
               </mc:Choice>
@@ -5124,7 +5116,7 @@
           <a:graphicData uri="http://schemas.openxmlformats.org/presentationml/2006/ole">
             <mc:AlternateContent xmlns:mc="http://schemas.openxmlformats.org/markup-compatibility/2006">
               <mc:Choice xmlns:v="urn:schemas-microsoft-com:vml" Requires="v">
-                <p:oleObj spid="_x0000_s1036" name="Acrobat Document" r:id="rId6" imgW="2095395" imgH="1076178" progId="AcroExch.Document.7">
+                <p:oleObj spid="_x0000_s1038" name="Acrobat Document" r:id="rId6" imgW="2095395" imgH="1076178" progId="AcroExch.Document.7">
                   <p:embed/>
                 </p:oleObj>
               </mc:Choice>

--- a/課題研究/2015/川手元稀/課題研究発表ポスター-川手.pptx
+++ b/課題研究/2015/川手元稀/課題研究発表ポスター-川手.pptx
@@ -11,7 +11,7 @@
     <p:sldId id="264" r:id="rId2"/>
   </p:sldIdLst>
   <p:sldSz cx="21386800" cy="30279975"/>
-  <p:notesSz cx="6858000" cy="9144000"/>
+  <p:notesSz cx="6797675" cy="9926638"/>
   <p:defaultTextStyle>
     <a:defPPr>
       <a:defRPr lang="ja-JP"/>
@@ -164,7 +164,7 @@
         <p:spPr>
           <a:xfrm>
             <a:off x="0" y="0"/>
-            <a:ext cx="2971800" cy="458788"/>
+            <a:ext cx="2945659" cy="498056"/>
           </a:xfrm>
           <a:prstGeom prst="rect">
             <a:avLst/>
@@ -194,8 +194,8 @@
         </p:nvSpPr>
         <p:spPr>
           <a:xfrm>
-            <a:off x="3884613" y="0"/>
-            <a:ext cx="2971800" cy="458788"/>
+            <a:off x="3850443" y="0"/>
+            <a:ext cx="2945659" cy="498056"/>
           </a:xfrm>
           <a:prstGeom prst="rect">
             <a:avLst/>
@@ -229,8 +229,8 @@
         </p:nvSpPr>
         <p:spPr>
           <a:xfrm>
-            <a:off x="2338388" y="1143000"/>
-            <a:ext cx="2181225" cy="3086100"/>
+            <a:off x="2216150" y="1241425"/>
+            <a:ext cx="2365375" cy="3349625"/>
           </a:xfrm>
           <a:prstGeom prst="rect">
             <a:avLst/>
@@ -262,8 +262,8 @@
         </p:nvSpPr>
         <p:spPr>
           <a:xfrm>
-            <a:off x="685800" y="4400550"/>
-            <a:ext cx="5486400" cy="3600450"/>
+            <a:off x="679768" y="4777194"/>
+            <a:ext cx="5438140" cy="3908614"/>
           </a:xfrm>
           <a:prstGeom prst="rect">
             <a:avLst/>
@@ -354,8 +354,8 @@
         </p:nvSpPr>
         <p:spPr>
           <a:xfrm>
-            <a:off x="0" y="8685213"/>
-            <a:ext cx="2971800" cy="458787"/>
+            <a:off x="0" y="9428584"/>
+            <a:ext cx="2945659" cy="498055"/>
           </a:xfrm>
           <a:prstGeom prst="rect">
             <a:avLst/>
@@ -385,8 +385,8 @@
         </p:nvSpPr>
         <p:spPr>
           <a:xfrm>
-            <a:off x="3884613" y="8685213"/>
-            <a:ext cx="2971800" cy="458787"/>
+            <a:off x="3850443" y="9428584"/>
+            <a:ext cx="2945659" cy="498055"/>
           </a:xfrm>
           <a:prstGeom prst="rect">
             <a:avLst/>
@@ -4416,6 +4416,63 @@
           <a:chExt cx="0" cy="0"/>
         </a:xfrm>
       </p:grpSpPr>
+      <p:graphicFrame>
+        <p:nvGraphicFramePr>
+          <p:cNvPr id="23" name="オブジェクト 22"/>
+          <p:cNvGraphicFramePr>
+            <a:graphicFrameLocks noChangeAspect="1"/>
+          </p:cNvGraphicFramePr>
+          <p:nvPr>
+            <p:extLst>
+              <p:ext uri="{D42A27DB-BD31-4B8C-83A1-F6EECF244321}">
+                <p14:modId xmlns:p14="http://schemas.microsoft.com/office/powerpoint/2010/main" val="3412385905"/>
+              </p:ext>
+            </p:extLst>
+          </p:nvPr>
+        </p:nvGraphicFramePr>
+        <p:xfrm>
+          <a:off x="10408735" y="7189218"/>
+          <a:ext cx="10219838" cy="7352402"/>
+        </p:xfrm>
+        <a:graphic>
+          <a:graphicData uri="http://schemas.openxmlformats.org/presentationml/2006/ole">
+            <mc:AlternateContent xmlns:mc="http://schemas.openxmlformats.org/markup-compatibility/2006">
+              <mc:Choice xmlns:v="urn:schemas-microsoft-com:vml" Requires="v">
+                <p:oleObj spid="_x0000_s1053" name="ワークシート" r:id="rId4" imgW="16108682" imgH="11588456" progId="Excel.Sheet.12">
+                  <p:embed/>
+                </p:oleObj>
+              </mc:Choice>
+              <mc:Fallback>
+                <p:oleObj name="ワークシート" r:id="rId4" imgW="16108682" imgH="11588456" progId="Excel.Sheet.12">
+                  <p:embed/>
+                  <p:pic>
+                    <p:nvPicPr>
+                      <p:cNvPr id="0" name=""/>
+                      <p:cNvPicPr/>
+                      <p:nvPr/>
+                    </p:nvPicPr>
+                    <p:blipFill>
+                      <a:blip r:embed="rId5"/>
+                      <a:stretch>
+                        <a:fillRect/>
+                      </a:stretch>
+                    </p:blipFill>
+                    <p:spPr>
+                      <a:xfrm>
+                        <a:off x="10408735" y="7189218"/>
+                        <a:ext cx="10219838" cy="7352402"/>
+                      </a:xfrm>
+                      <a:prstGeom prst="rect">
+                        <a:avLst/>
+                      </a:prstGeom>
+                    </p:spPr>
+                  </p:pic>
+                </p:oleObj>
+              </mc:Fallback>
+            </mc:AlternateContent>
+          </a:graphicData>
+        </a:graphic>
+      </p:graphicFrame>
       <p:sp>
         <p:nvSpPr>
           <p:cNvPr id="3" name="テキスト ボックス 2"/>
@@ -4498,202 +4555,317 @@
           </a:p>
         </p:txBody>
       </p:sp>
+      <p:sp>
+        <p:nvSpPr>
+          <p:cNvPr id="31" name="テキスト ボックス 30"/>
+          <p:cNvSpPr txBox="1"/>
+          <p:nvPr/>
+        </p:nvSpPr>
+        <p:spPr>
+          <a:xfrm>
+            <a:off x="1183931" y="19604483"/>
+            <a:ext cx="19785938" cy="4708981"/>
+          </a:xfrm>
+          <a:prstGeom prst="rect">
+            <a:avLst/>
+          </a:prstGeom>
+          <a:noFill/>
+          <a:ln>
+            <a:solidFill>
+              <a:schemeClr val="accent1"/>
+            </a:solidFill>
+          </a:ln>
+        </p:spPr>
+        <p:txBody>
+          <a:bodyPr wrap="square" rtlCol="0">
+            <a:spAutoFit/>
+          </a:bodyPr>
+          <a:lstStyle/>
+          <a:p>
+            <a:r>
+              <a:rPr kumimoji="1" lang="ja-JP" altLang="en-US" sz="6000" u="sng" dirty="0" smtClean="0"/>
+              <a:t>◎</a:t>
+            </a:r>
+            <a:r>
+              <a:rPr lang="ja-JP" altLang="en-US" sz="6000" u="sng" dirty="0" smtClean="0"/>
+              <a:t>研究方法</a:t>
+            </a:r>
+            <a:endParaRPr lang="en-US" altLang="ja-JP" sz="6000" u="sng" dirty="0" smtClean="0"/>
+          </a:p>
+          <a:p>
+            <a:r>
+              <a:rPr kumimoji="1" lang="ja-JP" altLang="en-US" sz="6000" dirty="0" smtClean="0"/>
+              <a:t>津田</a:t>
+            </a:r>
+            <a:r>
+              <a:rPr kumimoji="1" lang="ja-JP" altLang="en-US" sz="6000" dirty="0" smtClean="0"/>
+              <a:t>沼祭の来場者数に関するデータを集め，回帰分析を行う</a:t>
+            </a:r>
+            <a:r>
+              <a:rPr kumimoji="1" lang="ja-JP" altLang="en-US" sz="6000" dirty="0" smtClean="0"/>
+              <a:t>．</a:t>
+            </a:r>
+            <a:r>
+              <a:rPr lang="ja-JP" altLang="en-US" sz="6000" dirty="0" smtClean="0"/>
+              <a:t>目的</a:t>
+            </a:r>
+            <a:r>
+              <a:rPr lang="ja-JP" altLang="en-US" sz="6000" dirty="0" smtClean="0"/>
+              <a:t>変数・・・来場者数　説明変数・・・データ項目</a:t>
+            </a:r>
+            <a:endParaRPr lang="en-US" altLang="ja-JP" sz="6000" dirty="0" smtClean="0"/>
+          </a:p>
+          <a:p>
+            <a:r>
+              <a:rPr lang="ja-JP" altLang="en-US" sz="6000" dirty="0" smtClean="0"/>
+              <a:t>データ</a:t>
+            </a:r>
+            <a:r>
+              <a:rPr lang="ja-JP" altLang="en-US" sz="6000" dirty="0" smtClean="0"/>
+              <a:t>項目・・・来場者数，ブースの合計数・運営人数，開催日時，本祭</a:t>
+            </a:r>
+            <a:r>
+              <a:rPr lang="en-US" altLang="ja-JP" sz="6000" dirty="0" smtClean="0"/>
+              <a:t>3</a:t>
+            </a:r>
+            <a:r>
+              <a:rPr lang="ja-JP" altLang="en-US" sz="6000" dirty="0" smtClean="0"/>
+              <a:t>日間の</a:t>
+            </a:r>
+            <a:r>
+              <a:rPr lang="ja-JP" altLang="en-US" sz="6000" dirty="0" smtClean="0"/>
+              <a:t>天候</a:t>
+            </a:r>
+            <a:endParaRPr lang="en-US" altLang="ja-JP" sz="6000" dirty="0"/>
+          </a:p>
+        </p:txBody>
+      </p:sp>
+      <p:sp>
+        <p:nvSpPr>
+          <p:cNvPr id="32" name="テキスト ボックス 31"/>
+          <p:cNvSpPr txBox="1"/>
+          <p:nvPr/>
+        </p:nvSpPr>
+        <p:spPr>
+          <a:xfrm>
+            <a:off x="1152344" y="24519632"/>
+            <a:ext cx="19817525" cy="3785652"/>
+          </a:xfrm>
+          <a:prstGeom prst="rect">
+            <a:avLst/>
+          </a:prstGeom>
+          <a:noFill/>
+          <a:ln>
+            <a:solidFill>
+              <a:srgbClr val="FF0000"/>
+            </a:solidFill>
+          </a:ln>
+        </p:spPr>
+        <p:txBody>
+          <a:bodyPr wrap="square" rtlCol="0">
+            <a:spAutoFit/>
+          </a:bodyPr>
+          <a:lstStyle/>
+          <a:p>
+            <a:r>
+              <a:rPr kumimoji="1" lang="ja-JP" altLang="en-US" sz="6000" u="sng" dirty="0" smtClean="0"/>
+              <a:t>◎</a:t>
+            </a:r>
+            <a:r>
+              <a:rPr lang="ja-JP" altLang="en-US" sz="6000" u="sng" dirty="0" smtClean="0"/>
+              <a:t>結果</a:t>
+            </a:r>
+            <a:endParaRPr lang="en-US" altLang="ja-JP" sz="6000" u="sng" dirty="0" smtClean="0"/>
+          </a:p>
+          <a:p>
+            <a:r>
+              <a:rPr lang="ja-JP" altLang="en-US" sz="6000" dirty="0" smtClean="0"/>
+              <a:t>有効的</a:t>
+            </a:r>
+            <a:r>
+              <a:rPr lang="ja-JP" altLang="en-US" sz="6000" dirty="0" smtClean="0"/>
+              <a:t>な予測式は立てられなかった</a:t>
+            </a:r>
+            <a:r>
+              <a:rPr lang="ja-JP" altLang="en-US" sz="6000" dirty="0" smtClean="0"/>
+              <a:t>．</a:t>
+            </a:r>
+            <a:endParaRPr lang="en-US" altLang="ja-JP" sz="6000" dirty="0" smtClean="0"/>
+          </a:p>
+          <a:p>
+            <a:r>
+              <a:rPr lang="ja-JP" altLang="en-US" sz="6000" dirty="0" smtClean="0"/>
+              <a:t>今回</a:t>
+            </a:r>
+            <a:r>
+              <a:rPr lang="ja-JP" altLang="en-US" sz="6000" dirty="0" smtClean="0"/>
+              <a:t>集めたデータ項目の中で関係性があったのは</a:t>
+            </a:r>
+            <a:r>
+              <a:rPr lang="en-US" altLang="ja-JP" sz="6000" dirty="0" smtClean="0"/>
+              <a:t>1</a:t>
+            </a:r>
+            <a:r>
+              <a:rPr lang="ja-JP" altLang="en-US" sz="6000" dirty="0" smtClean="0"/>
+              <a:t>日目の降水量，運営人数であった．</a:t>
+            </a:r>
+            <a:endParaRPr lang="en-US" altLang="ja-JP" sz="6000" dirty="0" smtClean="0"/>
+          </a:p>
+        </p:txBody>
+      </p:sp>
       <p:grpSp>
         <p:nvGrpSpPr>
-          <p:cNvPr id="2" name="グループ化 1"/>
+          <p:cNvPr id="30" name="グループ化 29"/>
           <p:cNvGrpSpPr/>
           <p:nvPr/>
         </p:nvGrpSpPr>
         <p:grpSpPr>
           <a:xfrm>
-            <a:off x="1482373" y="3834731"/>
-            <a:ext cx="19056006" cy="14857797"/>
-            <a:chOff x="1341553" y="3402683"/>
-            <a:chExt cx="19056006" cy="14857797"/>
+            <a:off x="1183930" y="3834731"/>
+            <a:ext cx="19785939" cy="16500438"/>
+            <a:chOff x="1183930" y="3834731"/>
+            <a:chExt cx="19785939" cy="16500438"/>
           </a:xfrm>
         </p:grpSpPr>
         <p:grpSp>
           <p:nvGrpSpPr>
-            <p:cNvPr id="19" name="グループ化 18"/>
+            <p:cNvPr id="2" name="グループ化 1"/>
             <p:cNvGrpSpPr/>
             <p:nvPr/>
           </p:nvGrpSpPr>
           <p:grpSpPr>
             <a:xfrm>
-              <a:off x="1349442" y="3402683"/>
-              <a:ext cx="19048117" cy="10166563"/>
-              <a:chOff x="1802851" y="3174583"/>
-              <a:chExt cx="19048117" cy="10166563"/>
+              <a:off x="1449341" y="4028438"/>
+              <a:ext cx="19048117" cy="16306731"/>
+              <a:chOff x="1349442" y="3402683"/>
+              <a:chExt cx="19048117" cy="16306731"/>
             </a:xfrm>
           </p:grpSpPr>
-          <p:sp>
-            <p:nvSpPr>
-              <p:cNvPr id="6" name="テキスト ボックス 5"/>
-              <p:cNvSpPr txBox="1"/>
-              <p:nvPr/>
-            </p:nvSpPr>
-            <p:spPr>
-              <a:xfrm>
-                <a:off x="1802851" y="3174583"/>
-                <a:ext cx="19048117" cy="4247317"/>
-              </a:xfrm>
-              <a:prstGeom prst="rect">
-                <a:avLst/>
-              </a:prstGeom>
-              <a:noFill/>
-              <a:ln>
-                <a:noFill/>
-              </a:ln>
-            </p:spPr>
-            <p:style>
-              <a:lnRef idx="2">
-                <a:schemeClr val="dk1"/>
-              </a:lnRef>
-              <a:fillRef idx="1">
-                <a:schemeClr val="lt1"/>
-              </a:fillRef>
-              <a:effectRef idx="0">
-                <a:schemeClr val="dk1"/>
-              </a:effectRef>
-              <a:fontRef idx="minor">
-                <a:schemeClr val="dk1"/>
-              </a:fontRef>
-            </p:style>
-            <p:txBody>
-              <a:bodyPr wrap="square" rtlCol="0">
-                <a:spAutoFit/>
-              </a:bodyPr>
-              <a:lstStyle/>
-              <a:p>
-                <a:r>
-                  <a:rPr kumimoji="1" lang="ja-JP" altLang="en-US" sz="6000" b="1" u="sng" dirty="0" smtClean="0">
-                    <a:latin typeface="+mj-ea"/>
-                    <a:ea typeface="+mj-ea"/>
-                  </a:rPr>
-                  <a:t>◎背景</a:t>
-                </a:r>
-                <a:endParaRPr lang="en-US" altLang="ja-JP" b="1" u="sng" dirty="0">
-                  <a:latin typeface="+mj-ea"/>
-                  <a:ea typeface="+mj-ea"/>
-                </a:endParaRPr>
-              </a:p>
-              <a:p>
-                <a:r>
-                  <a:rPr lang="ja-JP" altLang="en-US" sz="6000" b="1" dirty="0"/>
-                  <a:t> </a:t>
-                </a:r>
-                <a:r>
-                  <a:rPr lang="ja-JP" altLang="en-US" sz="6000" b="1" dirty="0" smtClean="0"/>
-                  <a:t>　近年，津田沼祭の来場者は</a:t>
-                </a:r>
-                <a:r>
-                  <a:rPr lang="ja-JP" altLang="en-US" sz="6600" b="1" u="sng" dirty="0" smtClean="0">
-                    <a:solidFill>
-                      <a:schemeClr val="tx1"/>
-                    </a:solidFill>
-                  </a:rPr>
-                  <a:t>増加傾向</a:t>
-                </a:r>
-                <a:r>
-                  <a:rPr lang="ja-JP" altLang="en-US" sz="6000" b="1" dirty="0" smtClean="0"/>
-                  <a:t>にある．</a:t>
-                </a:r>
-                <a:endParaRPr lang="en-US" altLang="ja-JP" sz="4800" dirty="0"/>
-              </a:p>
-              <a:p>
-                <a:pPr algn="ctr"/>
-                <a:endParaRPr lang="en-US" altLang="ja-JP" sz="4800" dirty="0" smtClean="0"/>
-              </a:p>
-              <a:p>
-                <a:pPr algn="ctr"/>
-                <a:endParaRPr kumimoji="1" lang="en-US" altLang="ja-JP" sz="4800" dirty="0"/>
-              </a:p>
-              <a:p>
-                <a:pPr algn="ctr"/>
-                <a:endParaRPr lang="en-US" altLang="ja-JP" sz="4800" dirty="0" smtClean="0"/>
-              </a:p>
-            </p:txBody>
-          </p:sp>
-          <p:sp>
-            <p:nvSpPr>
-              <p:cNvPr id="5" name="右矢印 4"/>
-              <p:cNvSpPr/>
-              <p:nvPr/>
-            </p:nvSpPr>
-            <p:spPr>
-              <a:xfrm rot="5400000">
-                <a:off x="7815984" y="10622571"/>
-                <a:ext cx="2518797" cy="2918353"/>
-              </a:xfrm>
-              <a:prstGeom prst="rightArrow">
-                <a:avLst>
-                  <a:gd name="adj1" fmla="val 44431"/>
-                  <a:gd name="adj2" fmla="val 50000"/>
-                </a:avLst>
-              </a:prstGeom>
-              <a:solidFill>
-                <a:schemeClr val="accent2"/>
-              </a:solidFill>
-            </p:spPr>
-            <p:style>
-              <a:lnRef idx="2">
-                <a:schemeClr val="accent1">
-                  <a:shade val="50000"/>
-                </a:schemeClr>
-              </a:lnRef>
-              <a:fillRef idx="1">
-                <a:schemeClr val="accent1"/>
-              </a:fillRef>
-              <a:effectRef idx="0">
-                <a:schemeClr val="accent1"/>
-              </a:effectRef>
-              <a:fontRef idx="minor">
-                <a:schemeClr val="lt1"/>
-              </a:fontRef>
-            </p:style>
-            <p:txBody>
-              <a:bodyPr rtlCol="0" anchor="ctr"/>
-              <a:lstStyle/>
-              <a:p>
-                <a:pPr algn="ctr"/>
-                <a:endParaRPr kumimoji="1" lang="ja-JP" altLang="en-US">
-                  <a:solidFill>
-                    <a:schemeClr val="bg2"/>
-                  </a:solidFill>
-                </a:endParaRPr>
-              </a:p>
-            </p:txBody>
-          </p:sp>
           <p:grpSp>
             <p:nvGrpSpPr>
-              <p:cNvPr id="15" name="グループ化 14"/>
+              <p:cNvPr id="19" name="グループ化 18"/>
               <p:cNvGrpSpPr/>
               <p:nvPr/>
             </p:nvGrpSpPr>
             <p:grpSpPr>
               <a:xfrm>
-                <a:off x="1862093" y="5298241"/>
-                <a:ext cx="9751502" cy="3990211"/>
-                <a:chOff x="2556496" y="5533152"/>
-                <a:chExt cx="9751502" cy="3990211"/>
+                <a:off x="1349442" y="3402683"/>
+                <a:ext cx="19048117" cy="10396152"/>
+                <a:chOff x="1802851" y="3174583"/>
+                <a:chExt cx="19048117" cy="10396152"/>
               </a:xfrm>
             </p:grpSpPr>
             <p:sp>
               <p:nvSpPr>
-                <p:cNvPr id="13" name="円/楕円 12"/>
+                <p:cNvPr id="6" name="テキスト ボックス 5"/>
+                <p:cNvSpPr txBox="1"/>
+                <p:nvPr/>
+              </p:nvSpPr>
+              <p:spPr>
+                <a:xfrm>
+                  <a:off x="1802851" y="3174583"/>
+                  <a:ext cx="19048117" cy="4247317"/>
+                </a:xfrm>
+                <a:prstGeom prst="rect">
+                  <a:avLst/>
+                </a:prstGeom>
+                <a:noFill/>
+                <a:ln>
+                  <a:noFill/>
+                </a:ln>
+              </p:spPr>
+              <p:style>
+                <a:lnRef idx="2">
+                  <a:schemeClr val="dk1"/>
+                </a:lnRef>
+                <a:fillRef idx="1">
+                  <a:schemeClr val="lt1"/>
+                </a:fillRef>
+                <a:effectRef idx="0">
+                  <a:schemeClr val="dk1"/>
+                </a:effectRef>
+                <a:fontRef idx="minor">
+                  <a:schemeClr val="dk1"/>
+                </a:fontRef>
+              </p:style>
+              <p:txBody>
+                <a:bodyPr wrap="square" rtlCol="0">
+                  <a:spAutoFit/>
+                </a:bodyPr>
+                <a:lstStyle/>
+                <a:p>
+                  <a:r>
+                    <a:rPr kumimoji="1" lang="ja-JP" altLang="en-US" sz="6000" u="sng" dirty="0" smtClean="0">
+                      <a:latin typeface="+mj-ea"/>
+                      <a:ea typeface="+mj-ea"/>
+                    </a:rPr>
+                    <a:t>◎背景</a:t>
+                  </a:r>
+                  <a:endParaRPr lang="en-US" altLang="ja-JP" sz="6000" u="sng" dirty="0">
+                    <a:latin typeface="+mj-ea"/>
+                    <a:ea typeface="+mj-ea"/>
+                  </a:endParaRPr>
+                </a:p>
+                <a:p>
+                  <a:r>
+                    <a:rPr lang="ja-JP" altLang="en-US" sz="6000" dirty="0"/>
+                    <a:t> </a:t>
+                  </a:r>
+                  <a:r>
+                    <a:rPr lang="ja-JP" altLang="en-US" sz="6000" dirty="0" smtClean="0"/>
+                    <a:t>近年</a:t>
+                  </a:r>
+                  <a:r>
+                    <a:rPr lang="ja-JP" altLang="en-US" sz="6000" dirty="0" smtClean="0"/>
+                    <a:t>，津田沼祭の来場者は</a:t>
+                  </a:r>
+                  <a:r>
+                    <a:rPr lang="ja-JP" altLang="en-US" sz="6000" u="sng" dirty="0" smtClean="0">
+                      <a:solidFill>
+                        <a:schemeClr val="tx1"/>
+                      </a:solidFill>
+                    </a:rPr>
+                    <a:t>増加傾向</a:t>
+                  </a:r>
+                  <a:r>
+                    <a:rPr lang="ja-JP" altLang="en-US" sz="6000" dirty="0" smtClean="0"/>
+                    <a:t>にある．</a:t>
+                  </a:r>
+                  <a:endParaRPr lang="en-US" altLang="ja-JP" sz="6000" dirty="0"/>
+                </a:p>
+                <a:p>
+                  <a:pPr algn="ctr"/>
+                  <a:endParaRPr lang="en-US" altLang="ja-JP" sz="4800" dirty="0" smtClean="0"/>
+                </a:p>
+                <a:p>
+                  <a:pPr algn="ctr"/>
+                  <a:endParaRPr kumimoji="1" lang="en-US" altLang="ja-JP" sz="4800" dirty="0"/>
+                </a:p>
+                <a:p>
+                  <a:pPr algn="ctr"/>
+                  <a:endParaRPr lang="en-US" altLang="ja-JP" sz="4800" dirty="0" smtClean="0"/>
+                </a:p>
+              </p:txBody>
+            </p:sp>
+            <p:sp>
+              <p:nvSpPr>
+                <p:cNvPr id="5" name="右矢印 4"/>
                 <p:cNvSpPr/>
                 <p:nvPr/>
               </p:nvSpPr>
               <p:spPr>
-                <a:xfrm>
-                  <a:off x="2556496" y="5533152"/>
-                  <a:ext cx="8672466" cy="3990211"/>
+                <a:xfrm rot="5400000">
+                  <a:off x="7340286" y="10852160"/>
+                  <a:ext cx="2518797" cy="2918353"/>
                 </a:xfrm>
-                <a:prstGeom prst="ellipse">
-                  <a:avLst/>
+                <a:prstGeom prst="rightArrow">
+                  <a:avLst>
+                    <a:gd name="adj1" fmla="val 44431"/>
+                    <a:gd name="adj2" fmla="val 50000"/>
+                  </a:avLst>
                 </a:prstGeom>
                 <a:solidFill>
-                  <a:schemeClr val="bg1"/>
+                  <a:schemeClr val="accent2"/>
                 </a:solidFill>
               </p:spPr>
               <p:style>
@@ -4717,355 +4889,297 @@
                 <a:lstStyle/>
                 <a:p>
                   <a:pPr algn="ctr"/>
-                  <a:endParaRPr kumimoji="1" lang="ja-JP" altLang="en-US"/>
+                  <a:endParaRPr kumimoji="1" lang="ja-JP" altLang="en-US">
+                    <a:solidFill>
+                      <a:schemeClr val="bg2"/>
+                    </a:solidFill>
+                  </a:endParaRPr>
                 </a:p>
               </p:txBody>
             </p:sp>
+            <p:grpSp>
+              <p:nvGrpSpPr>
+                <p:cNvPr id="15" name="グループ化 14"/>
+                <p:cNvGrpSpPr/>
+                <p:nvPr/>
+              </p:nvGrpSpPr>
+              <p:grpSpPr>
+                <a:xfrm>
+                  <a:off x="1862093" y="5298241"/>
+                  <a:ext cx="9751502" cy="3990211"/>
+                  <a:chOff x="2556496" y="5533152"/>
+                  <a:chExt cx="9751502" cy="3990211"/>
+                </a:xfrm>
+              </p:grpSpPr>
+              <p:sp>
+                <p:nvSpPr>
+                  <p:cNvPr id="13" name="円/楕円 12"/>
+                  <p:cNvSpPr/>
+                  <p:nvPr/>
+                </p:nvSpPr>
+                <p:spPr>
+                  <a:xfrm>
+                    <a:off x="2556496" y="5533152"/>
+                    <a:ext cx="8672466" cy="3990211"/>
+                  </a:xfrm>
+                  <a:prstGeom prst="ellipse">
+                    <a:avLst/>
+                  </a:prstGeom>
+                  <a:solidFill>
+                    <a:schemeClr val="bg1"/>
+                  </a:solidFill>
+                </p:spPr>
+                <p:style>
+                  <a:lnRef idx="2">
+                    <a:schemeClr val="accent1">
+                      <a:shade val="50000"/>
+                    </a:schemeClr>
+                  </a:lnRef>
+                  <a:fillRef idx="1">
+                    <a:schemeClr val="accent1"/>
+                  </a:fillRef>
+                  <a:effectRef idx="0">
+                    <a:schemeClr val="accent1"/>
+                  </a:effectRef>
+                  <a:fontRef idx="minor">
+                    <a:schemeClr val="lt1"/>
+                  </a:fontRef>
+                </p:style>
+                <p:txBody>
+                  <a:bodyPr rtlCol="0" anchor="ctr"/>
+                  <a:lstStyle/>
+                  <a:p>
+                    <a:pPr algn="ctr"/>
+                    <a:endParaRPr kumimoji="1" lang="ja-JP" altLang="en-US"/>
+                  </a:p>
+                </p:txBody>
+              </p:sp>
+              <p:sp>
+                <p:nvSpPr>
+                  <p:cNvPr id="7" name="テキスト ボックス 6"/>
+                  <p:cNvSpPr txBox="1"/>
+                  <p:nvPr/>
+                </p:nvSpPr>
+                <p:spPr>
+                  <a:xfrm>
+                    <a:off x="3143087" y="6483181"/>
+                    <a:ext cx="9164911" cy="1877437"/>
+                  </a:xfrm>
+                  <a:prstGeom prst="rect">
+                    <a:avLst/>
+                  </a:prstGeom>
+                  <a:noFill/>
+                </p:spPr>
+                <p:txBody>
+                  <a:bodyPr wrap="square" rtlCol="0">
+                    <a:spAutoFit/>
+                  </a:bodyPr>
+                  <a:lstStyle/>
+                  <a:p>
+                    <a:r>
+                      <a:rPr lang="ja-JP" altLang="en-US" b="1" dirty="0">
+                        <a:latin typeface="+mj-ea"/>
+                      </a:rPr>
+                      <a:t>しかし問題も・・・</a:t>
+                    </a:r>
+                    <a:endParaRPr lang="en-US" altLang="ja-JP" b="1" dirty="0">
+                      <a:latin typeface="+mj-ea"/>
+                    </a:endParaRPr>
+                  </a:p>
+                  <a:p>
+                    <a:r>
+                      <a:rPr kumimoji="1" lang="ja-JP" altLang="en-US" dirty="0" smtClean="0"/>
+                      <a:t>人の将棋倒し，迷子</a:t>
+                    </a:r>
+                    <a:r>
+                      <a:rPr kumimoji="1" lang="en-US" altLang="ja-JP" dirty="0" err="1" smtClean="0"/>
+                      <a:t>etc</a:t>
+                    </a:r>
+                    <a:r>
+                      <a:rPr lang="en-US" altLang="ja-JP" dirty="0" smtClean="0"/>
+                      <a:t>…</a:t>
+                    </a:r>
+                  </a:p>
+                </p:txBody>
+              </p:sp>
+            </p:grpSp>
             <p:sp>
               <p:nvSpPr>
-                <p:cNvPr id="7" name="テキスト ボックス 6"/>
-                <p:cNvSpPr txBox="1"/>
+                <p:cNvPr id="10" name="正方形/長方形 9"/>
+                <p:cNvSpPr/>
                 <p:nvPr/>
               </p:nvSpPr>
               <p:spPr>
                 <a:xfrm>
-                  <a:off x="3143087" y="6483181"/>
-                  <a:ext cx="9164911" cy="1877437"/>
+                  <a:off x="2449776" y="10238481"/>
+                  <a:ext cx="5907125" cy="1569660"/>
                 </a:xfrm>
                 <a:prstGeom prst="rect">
                   <a:avLst/>
                 </a:prstGeom>
-                <a:noFill/>
               </p:spPr>
               <p:txBody>
-                <a:bodyPr wrap="square" rtlCol="0">
+                <a:bodyPr wrap="square">
                   <a:spAutoFit/>
                 </a:bodyPr>
                 <a:lstStyle/>
                 <a:p>
                   <a:r>
-                    <a:rPr lang="ja-JP" altLang="en-US" b="1" dirty="0">
-                      <a:latin typeface="+mj-ea"/>
-                    </a:rPr>
-                    <a:t>しかし問題も・・・</a:t>
+                    <a:rPr lang="ja-JP" altLang="en-US" sz="9600" dirty="0" smtClean="0"/>
+                    <a:t>そこで！</a:t>
                   </a:r>
-                  <a:endParaRPr lang="en-US" altLang="ja-JP" b="1" dirty="0">
-                    <a:latin typeface="+mj-ea"/>
-                  </a:endParaRPr>
-                </a:p>
-                <a:p>
-                  <a:r>
-                    <a:rPr kumimoji="1" lang="ja-JP" altLang="en-US" dirty="0" smtClean="0"/>
-                    <a:t>人の将棋倒し，迷子</a:t>
-                  </a:r>
-                  <a:r>
-                    <a:rPr kumimoji="1" lang="en-US" altLang="ja-JP" dirty="0" err="1" smtClean="0"/>
-                    <a:t>etc</a:t>
-                  </a:r>
-                  <a:r>
-                    <a:rPr lang="en-US" altLang="ja-JP" dirty="0" smtClean="0"/>
-                    <a:t>…</a:t>
-                  </a:r>
+                  <a:endParaRPr lang="ja-JP" altLang="en-US" sz="9600" dirty="0"/>
                 </a:p>
               </p:txBody>
             </p:sp>
           </p:grpSp>
           <p:sp>
             <p:nvSpPr>
-              <p:cNvPr id="10" name="正方形/長方形 9"/>
-              <p:cNvSpPr/>
+              <p:cNvPr id="18" name="テキスト ボックス 17"/>
+              <p:cNvSpPr txBox="1"/>
               <p:nvPr/>
             </p:nvSpPr>
             <p:spPr>
               <a:xfrm>
-                <a:off x="3244763" y="10696259"/>
-                <a:ext cx="5907125" cy="1569660"/>
+                <a:off x="1349442" y="12969107"/>
+                <a:ext cx="18605772" cy="6740307"/>
               </a:xfrm>
               <a:prstGeom prst="rect">
                 <a:avLst/>
               </a:prstGeom>
+              <a:noFill/>
             </p:spPr>
             <p:txBody>
-              <a:bodyPr wrap="square">
+              <a:bodyPr wrap="square" rtlCol="0">
                 <a:spAutoFit/>
               </a:bodyPr>
               <a:lstStyle/>
               <a:p>
                 <a:r>
-                  <a:rPr lang="ja-JP" altLang="en-US" sz="9600" dirty="0"/>
-                  <a:t>そこで！</a:t>
+                  <a:rPr kumimoji="1" lang="ja-JP" altLang="en-US" sz="6000" u="sng" dirty="0" smtClean="0"/>
+                  <a:t>◎目的</a:t>
                 </a:r>
+                <a:r>
+                  <a:rPr kumimoji="1" lang="ja-JP" altLang="en-US" sz="6000" dirty="0" smtClean="0"/>
+                  <a:t>　</a:t>
+                </a:r>
+                <a:endParaRPr kumimoji="1" lang="en-US" altLang="ja-JP" sz="6000" dirty="0" smtClean="0"/>
+              </a:p>
+              <a:p>
+                <a:r>
+                  <a:rPr kumimoji="1" lang="ja-JP" altLang="en-US" sz="6000" dirty="0" smtClean="0"/>
+                  <a:t>来場者数</a:t>
+                </a:r>
+                <a:r>
+                  <a:rPr kumimoji="1" lang="ja-JP" altLang="en-US" sz="6000" dirty="0" smtClean="0"/>
+                  <a:t>を</a:t>
+                </a:r>
+                <a:r>
+                  <a:rPr kumimoji="1" lang="ja-JP" altLang="en-US" sz="6000" dirty="0" smtClean="0"/>
+                  <a:t>予測</a:t>
+                </a:r>
+                <a:r>
+                  <a:rPr lang="ja-JP" altLang="en-US" sz="6000" dirty="0" smtClean="0"/>
+                  <a:t>できるようにしよう！</a:t>
+                </a:r>
+                <a:endParaRPr lang="en-US" altLang="ja-JP" sz="6000" dirty="0" smtClean="0"/>
+              </a:p>
+              <a:p>
+                <a:r>
+                  <a:rPr lang="ja-JP" altLang="en-US" sz="6000" u="sng" dirty="0" smtClean="0"/>
+                  <a:t>◎予測できることでのメリット</a:t>
+                </a:r>
+                <a:endParaRPr lang="en-US" altLang="ja-JP" sz="6000" u="sng" dirty="0" smtClean="0"/>
+              </a:p>
+              <a:p>
+                <a:r>
+                  <a:rPr kumimoji="1" lang="ja-JP" altLang="en-US" sz="6000" dirty="0" smtClean="0"/>
+                  <a:t>・予測した来場者数と類似している年に起こった事件を対応できるようになる．</a:t>
+                </a:r>
+                <a:endParaRPr kumimoji="1" lang="en-US" altLang="ja-JP" sz="6000" dirty="0" smtClean="0"/>
+              </a:p>
+              <a:p>
+                <a:r>
+                  <a:rPr lang="ja-JP" altLang="en-US" sz="6000" dirty="0" smtClean="0"/>
+                  <a:t>・来場者数に応じて最適人数で運営できる．</a:t>
+                </a:r>
+                <a:endParaRPr kumimoji="1" lang="en-US" altLang="ja-JP" sz="6000" dirty="0" smtClean="0"/>
+              </a:p>
+              <a:p>
+                <a:r>
+                  <a:rPr lang="ja-JP" altLang="en-US" sz="6000" b="1" dirty="0"/>
+                  <a:t>　</a:t>
+                </a:r>
+                <a:endParaRPr kumimoji="1" lang="ja-JP" altLang="en-US" sz="6000" b="1" dirty="0"/>
               </a:p>
             </p:txBody>
           </p:sp>
         </p:grpSp>
         <p:sp>
           <p:nvSpPr>
-            <p:cNvPr id="18" name="テキスト ボックス 17"/>
-            <p:cNvSpPr txBox="1"/>
+            <p:cNvPr id="9" name="正方形/長方形 8"/>
+            <p:cNvSpPr/>
             <p:nvPr/>
           </p:nvSpPr>
           <p:spPr>
             <a:xfrm>
-              <a:off x="1341553" y="13736165"/>
-              <a:ext cx="18605772" cy="4524315"/>
+              <a:off x="1183930" y="3834731"/>
+              <a:ext cx="19785939" cy="15553728"/>
             </a:xfrm>
             <a:prstGeom prst="rect">
               <a:avLst/>
             </a:prstGeom>
             <a:noFill/>
+            <a:ln>
+              <a:solidFill>
+                <a:srgbClr val="00B050"/>
+              </a:solidFill>
+            </a:ln>
           </p:spPr>
+          <p:style>
+            <a:lnRef idx="2">
+              <a:schemeClr val="accent1">
+                <a:shade val="50000"/>
+              </a:schemeClr>
+            </a:lnRef>
+            <a:fillRef idx="1">
+              <a:schemeClr val="accent1"/>
+            </a:fillRef>
+            <a:effectRef idx="0">
+              <a:schemeClr val="accent1"/>
+            </a:effectRef>
+            <a:fontRef idx="minor">
+              <a:schemeClr val="lt1"/>
+            </a:fontRef>
+          </p:style>
           <p:txBody>
-            <a:bodyPr wrap="square" rtlCol="0">
-              <a:spAutoFit/>
-            </a:bodyPr>
+            <a:bodyPr rtlCol="0" anchor="ctr"/>
             <a:lstStyle/>
             <a:p>
-              <a:r>
-                <a:rPr kumimoji="1" lang="ja-JP" altLang="en-US" sz="6000" u="sng" dirty="0" smtClean="0"/>
-                <a:t>◎目的</a:t>
-              </a:r>
-              <a:r>
-                <a:rPr kumimoji="1" lang="ja-JP" altLang="en-US" sz="7200" b="1" dirty="0" smtClean="0"/>
-                <a:t>　</a:t>
-              </a:r>
-              <a:endParaRPr kumimoji="1" lang="en-US" altLang="ja-JP" sz="7200" b="1" dirty="0" smtClean="0"/>
-            </a:p>
-            <a:p>
-              <a:r>
-                <a:rPr kumimoji="1" lang="ja-JP" altLang="en-US" sz="7200" b="1" dirty="0" smtClean="0"/>
-                <a:t>　来場者数を予測して類似した来場者数の年に</a:t>
-              </a:r>
-              <a:endParaRPr kumimoji="1" lang="en-US" altLang="ja-JP" sz="7200" b="1" dirty="0" smtClean="0"/>
-            </a:p>
-            <a:p>
-              <a:r>
-                <a:rPr kumimoji="1" lang="ja-JP" altLang="en-US" sz="7200" b="1" dirty="0" smtClean="0"/>
-                <a:t>起こった事件をどのように対応したかリスク管理をできるようにしよう！</a:t>
-              </a:r>
-              <a:endParaRPr kumimoji="1" lang="ja-JP" altLang="en-US" sz="7200" b="1" dirty="0"/>
+              <a:pPr algn="ctr"/>
+              <a:endParaRPr kumimoji="1" lang="ja-JP" altLang="en-US"/>
             </a:p>
           </p:txBody>
         </p:sp>
       </p:grpSp>
       <p:sp>
         <p:nvSpPr>
-          <p:cNvPr id="31" name="テキスト ボックス 30"/>
-          <p:cNvSpPr txBox="1"/>
+          <p:cNvPr id="4" name="円/楕円 3"/>
+          <p:cNvSpPr/>
           <p:nvPr/>
         </p:nvSpPr>
         <p:spPr>
           <a:xfrm>
-            <a:off x="1183931" y="19604483"/>
-            <a:ext cx="19642109" cy="5170646"/>
+            <a:off x="18644610" y="7393737"/>
+            <a:ext cx="1702715" cy="1702715"/>
           </a:xfrm>
-          <a:prstGeom prst="rect">
-            <a:avLst/>
-          </a:prstGeom>
-          <a:noFill/>
-          <a:ln>
-            <a:solidFill>
-              <a:schemeClr val="accent1"/>
-            </a:solidFill>
-          </a:ln>
-        </p:spPr>
-        <p:txBody>
-          <a:bodyPr wrap="square" rtlCol="0">
-            <a:spAutoFit/>
-          </a:bodyPr>
-          <a:lstStyle/>
-          <a:p>
-            <a:r>
-              <a:rPr kumimoji="1" lang="ja-JP" altLang="en-US" sz="6000" u="sng" dirty="0" smtClean="0"/>
-              <a:t>◎</a:t>
-            </a:r>
-            <a:r>
-              <a:rPr lang="ja-JP" altLang="en-US" sz="6000" u="sng" dirty="0" smtClean="0"/>
-              <a:t>研究方法</a:t>
-            </a:r>
-            <a:endParaRPr lang="en-US" altLang="ja-JP" sz="6000" u="sng" dirty="0" smtClean="0"/>
-          </a:p>
-          <a:p>
-            <a:r>
-              <a:rPr kumimoji="1" lang="ja-JP" altLang="en-US" sz="5400" dirty="0" smtClean="0"/>
-              <a:t>　津田沼祭の来場者数に関するデータを集め，回帰分析を行う．</a:t>
-            </a:r>
-            <a:endParaRPr kumimoji="1" lang="en-US" altLang="ja-JP" sz="5400" dirty="0" smtClean="0"/>
-          </a:p>
-          <a:p>
-            <a:r>
-              <a:rPr lang="ja-JP" altLang="en-US" sz="5400" dirty="0" smtClean="0"/>
-              <a:t>　目的変数・・・来場者数　説明変数・・・データ項目</a:t>
-            </a:r>
-            <a:endParaRPr lang="en-US" altLang="ja-JP" sz="5400" dirty="0" smtClean="0"/>
-          </a:p>
-          <a:p>
-            <a:r>
-              <a:rPr lang="ja-JP" altLang="en-US" sz="5400" dirty="0" smtClean="0"/>
-              <a:t>　データ項目・・・来場者数，ブースの合計数・運営人数，開催日時，本祭</a:t>
-            </a:r>
-            <a:r>
-              <a:rPr lang="en-US" altLang="ja-JP" sz="5400" dirty="0" smtClean="0"/>
-              <a:t>3</a:t>
-            </a:r>
-            <a:r>
-              <a:rPr lang="ja-JP" altLang="en-US" sz="5400" dirty="0" smtClean="0"/>
-              <a:t>日間の天候</a:t>
-            </a:r>
-            <a:endParaRPr lang="en-US" altLang="ja-JP" sz="5400" dirty="0"/>
-          </a:p>
-          <a:p>
-            <a:endParaRPr lang="en-US" altLang="ja-JP" sz="5400" dirty="0" smtClean="0"/>
-          </a:p>
-        </p:txBody>
-      </p:sp>
-      <p:sp>
-        <p:nvSpPr>
-          <p:cNvPr id="32" name="テキスト ボックス 31"/>
-          <p:cNvSpPr txBox="1"/>
-          <p:nvPr/>
-        </p:nvSpPr>
-        <p:spPr>
-          <a:xfrm>
-            <a:off x="1183930" y="25322083"/>
-            <a:ext cx="16854285" cy="4339650"/>
-          </a:xfrm>
-          <a:prstGeom prst="rect">
+          <a:prstGeom prst="ellipse">
             <a:avLst/>
           </a:prstGeom>
           <a:noFill/>
           <a:ln>
             <a:solidFill>
               <a:srgbClr val="FF0000"/>
-            </a:solidFill>
-          </a:ln>
-        </p:spPr>
-        <p:txBody>
-          <a:bodyPr wrap="square" rtlCol="0">
-            <a:spAutoFit/>
-          </a:bodyPr>
-          <a:lstStyle/>
-          <a:p>
-            <a:r>
-              <a:rPr kumimoji="1" lang="ja-JP" altLang="en-US" sz="6000" u="sng" dirty="0" smtClean="0"/>
-              <a:t>◎</a:t>
-            </a:r>
-            <a:r>
-              <a:rPr lang="ja-JP" altLang="en-US" sz="6000" u="sng" dirty="0" smtClean="0"/>
-              <a:t>結果</a:t>
-            </a:r>
-            <a:endParaRPr lang="en-US" altLang="ja-JP" sz="6000" u="sng" dirty="0" smtClean="0"/>
-          </a:p>
-          <a:p>
-            <a:r>
-              <a:rPr lang="ja-JP" altLang="en-US" sz="5400" dirty="0"/>
-              <a:t>　</a:t>
-            </a:r>
-            <a:r>
-              <a:rPr lang="ja-JP" altLang="en-US" sz="5400" dirty="0" smtClean="0"/>
-              <a:t>有効的な予測式は立てられなかった．</a:t>
-            </a:r>
-            <a:endParaRPr lang="en-US" altLang="ja-JP" sz="5400" dirty="0" smtClean="0"/>
-          </a:p>
-          <a:p>
-            <a:endParaRPr lang="en-US" altLang="ja-JP" sz="5400" dirty="0" smtClean="0"/>
-          </a:p>
-          <a:p>
-            <a:r>
-              <a:rPr lang="ja-JP" altLang="en-US" sz="5400" dirty="0"/>
-              <a:t>　</a:t>
-            </a:r>
-            <a:r>
-              <a:rPr lang="ja-JP" altLang="en-US" sz="5400" dirty="0" smtClean="0"/>
-              <a:t>今回集めたデータ項目の中で関係性があったのは</a:t>
-            </a:r>
-            <a:r>
-              <a:rPr lang="en-US" altLang="ja-JP" sz="5400" dirty="0" smtClean="0"/>
-              <a:t>1</a:t>
-            </a:r>
-            <a:r>
-              <a:rPr lang="ja-JP" altLang="en-US" sz="5400" dirty="0" smtClean="0"/>
-              <a:t>日目の降水量，運営人数であった．</a:t>
-            </a:r>
-            <a:endParaRPr lang="en-US" altLang="ja-JP" sz="7200" dirty="0" smtClean="0"/>
-          </a:p>
-        </p:txBody>
-      </p:sp>
-      <p:graphicFrame>
-        <p:nvGraphicFramePr>
-          <p:cNvPr id="4" name="オブジェクト 3"/>
-          <p:cNvGraphicFramePr>
-            <a:graphicFrameLocks noChangeAspect="1"/>
-          </p:cNvGraphicFramePr>
-          <p:nvPr>
-            <p:extLst>
-              <p:ext uri="{D42A27DB-BD31-4B8C-83A1-F6EECF244321}">
-                <p14:modId xmlns:p14="http://schemas.microsoft.com/office/powerpoint/2010/main" val="4238937416"/>
-              </p:ext>
-            </p:extLst>
-          </p:nvPr>
-        </p:nvGraphicFramePr>
-        <p:xfrm>
-          <a:off x="10270894" y="6474770"/>
-          <a:ext cx="10566412" cy="7820191"/>
-        </p:xfrm>
-        <a:graphic>
-          <a:graphicData uri="http://schemas.openxmlformats.org/presentationml/2006/ole">
-            <mc:AlternateContent xmlns:mc="http://schemas.openxmlformats.org/markup-compatibility/2006">
-              <mc:Choice xmlns:v="urn:schemas-microsoft-com:vml" Requires="v">
-                <p:oleObj spid="_x0000_s1037" name="Acrobat Document" r:id="rId4" imgW="3848025" imgH="2847629" progId="AcroExch.Document.7">
-                  <p:embed/>
-                </p:oleObj>
-              </mc:Choice>
-              <mc:Fallback>
-                <p:oleObj name="Acrobat Document" r:id="rId4" imgW="3848025" imgH="2847629" progId="AcroExch.Document.7">
-                  <p:embed/>
-                  <p:pic>
-                    <p:nvPicPr>
-                      <p:cNvPr id="0" name=""/>
-                      <p:cNvPicPr/>
-                      <p:nvPr/>
-                    </p:nvPicPr>
-                    <p:blipFill>
-                      <a:blip r:embed="rId5"/>
-                      <a:stretch>
-                        <a:fillRect/>
-                      </a:stretch>
-                    </p:blipFill>
-                    <p:spPr>
-                      <a:xfrm>
-                        <a:off x="10270894" y="6474770"/>
-                        <a:ext cx="10566412" cy="7820191"/>
-                      </a:xfrm>
-                      <a:prstGeom prst="rect">
-                        <a:avLst/>
-                      </a:prstGeom>
-                    </p:spPr>
-                  </p:pic>
-                </p:oleObj>
-              </mc:Fallback>
-            </mc:AlternateContent>
-          </a:graphicData>
-        </a:graphic>
-      </p:graphicFrame>
-      <p:sp>
-        <p:nvSpPr>
-          <p:cNvPr id="9" name="正方形/長方形 8"/>
-          <p:cNvSpPr/>
-          <p:nvPr/>
-        </p:nvSpPr>
-        <p:spPr>
-          <a:xfrm>
-            <a:off x="1183930" y="3834731"/>
-            <a:ext cx="19642109" cy="15193688"/>
-          </a:xfrm>
-          <a:prstGeom prst="rect">
-            <a:avLst/>
-          </a:prstGeom>
-          <a:noFill/>
-          <a:ln>
-            <a:solidFill>
-              <a:srgbClr val="00B050"/>
             </a:solidFill>
           </a:ln>
         </p:spPr>
@@ -5094,34 +5208,68 @@
           </a:p>
         </p:txBody>
       </p:sp>
+      <p:sp>
+        <p:nvSpPr>
+          <p:cNvPr id="8" name="テキスト ボックス 7"/>
+          <p:cNvSpPr txBox="1"/>
+          <p:nvPr/>
+        </p:nvSpPr>
+        <p:spPr>
+          <a:xfrm>
+            <a:off x="15129809" y="6463730"/>
+            <a:ext cx="5840060" cy="707886"/>
+          </a:xfrm>
+          <a:prstGeom prst="rect">
+            <a:avLst/>
+          </a:prstGeom>
+          <a:noFill/>
+        </p:spPr>
+        <p:txBody>
+          <a:bodyPr wrap="none" rtlCol="0">
+            <a:spAutoFit/>
+          </a:bodyPr>
+          <a:lstStyle/>
+          <a:p>
+            <a:r>
+              <a:rPr kumimoji="1" lang="en-US" altLang="ja-JP" sz="4000" dirty="0" smtClean="0"/>
+              <a:t>2015</a:t>
+            </a:r>
+            <a:r>
+              <a:rPr kumimoji="1" lang="ja-JP" altLang="en-US" sz="4000" dirty="0" smtClean="0"/>
+              <a:t>年度最高来場者数！</a:t>
+            </a:r>
+            <a:endParaRPr kumimoji="1" lang="ja-JP" altLang="en-US" sz="4000" dirty="0"/>
+          </a:p>
+        </p:txBody>
+      </p:sp>
       <p:graphicFrame>
         <p:nvGraphicFramePr>
-          <p:cNvPr id="14" name="オブジェクト 13"/>
+          <p:cNvPr id="29" name="オブジェクト 28"/>
           <p:cNvGraphicFramePr>
             <a:graphicFrameLocks noChangeAspect="1"/>
           </p:cNvGraphicFramePr>
           <p:nvPr>
             <p:extLst>
               <p:ext uri="{D42A27DB-BD31-4B8C-83A1-F6EECF244321}">
-                <p14:modId xmlns:p14="http://schemas.microsoft.com/office/powerpoint/2010/main" val="1395508455"/>
+                <p14:modId xmlns:p14="http://schemas.microsoft.com/office/powerpoint/2010/main" val="4073895092"/>
               </p:ext>
             </p:extLst>
           </p:nvPr>
         </p:nvGraphicFramePr>
         <p:xfrm>
-          <a:off x="12994309" y="23367352"/>
-          <a:ext cx="8392491" cy="4530885"/>
+          <a:off x="13573720" y="24873725"/>
+          <a:ext cx="7054853" cy="1334461"/>
         </p:xfrm>
         <a:graphic>
           <a:graphicData uri="http://schemas.openxmlformats.org/presentationml/2006/ole">
             <mc:AlternateContent xmlns:mc="http://schemas.openxmlformats.org/markup-compatibility/2006">
               <mc:Choice xmlns:v="urn:schemas-microsoft-com:vml" Requires="v">
-                <p:oleObj spid="_x0000_s1038" name="Acrobat Document" r:id="rId6" imgW="2095395" imgH="1076178" progId="AcroExch.Document.7">
+                <p:oleObj spid="_x0000_s1054" name="ワークシート" r:id="rId6" imgW="7553411" imgH="1428670" progId="Excel.Sheet.12">
                   <p:embed/>
                 </p:oleObj>
               </mc:Choice>
               <mc:Fallback>
-                <p:oleObj name="Acrobat Document" r:id="rId6" imgW="2095395" imgH="1076178" progId="AcroExch.Document.7">
+                <p:oleObj name="ワークシート" r:id="rId6" imgW="7553411" imgH="1428670" progId="Excel.Sheet.12">
                   <p:embed/>
                   <p:pic>
                     <p:nvPicPr>
@@ -5137,8 +5285,8 @@
                     </p:blipFill>
                     <p:spPr>
                       <a:xfrm>
-                        <a:off x="12994309" y="23367352"/>
-                        <a:ext cx="8392491" cy="4530885"/>
+                        <a:off x="13573720" y="24873725"/>
+                        <a:ext cx="7054853" cy="1334461"/>
                       </a:xfrm>
                       <a:prstGeom prst="rect">
                         <a:avLst/>

--- a/課題研究/2015/川手元稀/課題研究発表ポスター-川手.pptx
+++ b/課題研究/2015/川手元稀/課題研究発表ポスター-川手.pptx
@@ -4416,63 +4416,6 @@
           <a:chExt cx="0" cy="0"/>
         </a:xfrm>
       </p:grpSpPr>
-      <p:graphicFrame>
-        <p:nvGraphicFramePr>
-          <p:cNvPr id="23" name="オブジェクト 22"/>
-          <p:cNvGraphicFramePr>
-            <a:graphicFrameLocks noChangeAspect="1"/>
-          </p:cNvGraphicFramePr>
-          <p:nvPr>
-            <p:extLst>
-              <p:ext uri="{D42A27DB-BD31-4B8C-83A1-F6EECF244321}">
-                <p14:modId xmlns:p14="http://schemas.microsoft.com/office/powerpoint/2010/main" val="3412385905"/>
-              </p:ext>
-            </p:extLst>
-          </p:nvPr>
-        </p:nvGraphicFramePr>
-        <p:xfrm>
-          <a:off x="10408735" y="7189218"/>
-          <a:ext cx="10219838" cy="7352402"/>
-        </p:xfrm>
-        <a:graphic>
-          <a:graphicData uri="http://schemas.openxmlformats.org/presentationml/2006/ole">
-            <mc:AlternateContent xmlns:mc="http://schemas.openxmlformats.org/markup-compatibility/2006">
-              <mc:Choice xmlns:v="urn:schemas-microsoft-com:vml" Requires="v">
-                <p:oleObj spid="_x0000_s1053" name="ワークシート" r:id="rId4" imgW="16108682" imgH="11588456" progId="Excel.Sheet.12">
-                  <p:embed/>
-                </p:oleObj>
-              </mc:Choice>
-              <mc:Fallback>
-                <p:oleObj name="ワークシート" r:id="rId4" imgW="16108682" imgH="11588456" progId="Excel.Sheet.12">
-                  <p:embed/>
-                  <p:pic>
-                    <p:nvPicPr>
-                      <p:cNvPr id="0" name=""/>
-                      <p:cNvPicPr/>
-                      <p:nvPr/>
-                    </p:nvPicPr>
-                    <p:blipFill>
-                      <a:blip r:embed="rId5"/>
-                      <a:stretch>
-                        <a:fillRect/>
-                      </a:stretch>
-                    </p:blipFill>
-                    <p:spPr>
-                      <a:xfrm>
-                        <a:off x="10408735" y="7189218"/>
-                        <a:ext cx="10219838" cy="7352402"/>
-                      </a:xfrm>
-                      <a:prstGeom prst="rect">
-                        <a:avLst/>
-                      </a:prstGeom>
-                    </p:spPr>
-                  </p:pic>
-                </p:oleObj>
-              </mc:Fallback>
-            </mc:AlternateContent>
-          </a:graphicData>
-        </a:graphic>
-      </p:graphicFrame>
       <p:sp>
         <p:nvSpPr>
           <p:cNvPr id="3" name="テキスト ボックス 2"/>
@@ -4563,8 +4506,8 @@
         </p:nvSpPr>
         <p:spPr>
           <a:xfrm>
-            <a:off x="1183931" y="19604483"/>
-            <a:ext cx="19785938" cy="4708981"/>
+            <a:off x="1144985" y="20075713"/>
+            <a:ext cx="19824884" cy="4247317"/>
           </a:xfrm>
           <a:prstGeom prst="rect">
             <a:avLst/>
@@ -4583,60 +4526,40 @@
           <a:lstStyle/>
           <a:p>
             <a:r>
-              <a:rPr kumimoji="1" lang="ja-JP" altLang="en-US" sz="6000" u="sng" dirty="0" smtClean="0"/>
+              <a:rPr kumimoji="1" lang="ja-JP" altLang="en-US" sz="5400" u="sng" dirty="0" smtClean="0"/>
               <a:t>◎</a:t>
             </a:r>
             <a:r>
-              <a:rPr lang="ja-JP" altLang="en-US" sz="6000" u="sng" dirty="0" smtClean="0"/>
+              <a:rPr lang="ja-JP" altLang="en-US" sz="5400" u="sng" dirty="0" smtClean="0"/>
               <a:t>研究方法</a:t>
             </a:r>
-            <a:endParaRPr lang="en-US" altLang="ja-JP" sz="6000" u="sng" dirty="0" smtClean="0"/>
-          </a:p>
-          <a:p>
-            <a:r>
-              <a:rPr kumimoji="1" lang="ja-JP" altLang="en-US" sz="6000" dirty="0" smtClean="0"/>
-              <a:t>津田</a:t>
-            </a:r>
-            <a:r>
-              <a:rPr kumimoji="1" lang="ja-JP" altLang="en-US" sz="6000" dirty="0" smtClean="0"/>
-              <a:t>沼祭の来場者数に関するデータを集め，回帰分析を行う</a:t>
-            </a:r>
-            <a:r>
-              <a:rPr kumimoji="1" lang="ja-JP" altLang="en-US" sz="6000" dirty="0" smtClean="0"/>
-              <a:t>．</a:t>
-            </a:r>
-            <a:r>
-              <a:rPr lang="ja-JP" altLang="en-US" sz="6000" dirty="0" smtClean="0"/>
-              <a:t>目的</a:t>
-            </a:r>
-            <a:r>
-              <a:rPr lang="ja-JP" altLang="en-US" sz="6000" dirty="0" smtClean="0"/>
-              <a:t>変数・・・来場者数　説明変数・・・データ項目</a:t>
-            </a:r>
-            <a:endParaRPr lang="en-US" altLang="ja-JP" sz="6000" dirty="0" smtClean="0"/>
-          </a:p>
-          <a:p>
-            <a:r>
-              <a:rPr lang="ja-JP" altLang="en-US" sz="6000" dirty="0" smtClean="0"/>
-              <a:t>データ</a:t>
-            </a:r>
-            <a:r>
-              <a:rPr lang="ja-JP" altLang="en-US" sz="6000" dirty="0" smtClean="0"/>
-              <a:t>項目・・・来場者数，ブースの合計数・運営人数，開催日時，本祭</a:t>
-            </a:r>
-            <a:r>
-              <a:rPr lang="en-US" altLang="ja-JP" sz="6000" dirty="0" smtClean="0"/>
+            <a:endParaRPr lang="en-US" altLang="ja-JP" sz="5400" u="sng" dirty="0" smtClean="0"/>
+          </a:p>
+          <a:p>
+            <a:r>
+              <a:rPr kumimoji="1" lang="ja-JP" altLang="en-US" sz="5400" dirty="0" smtClean="0"/>
+              <a:t>津田沼祭の来場者数に関するデータを集め，回帰分析を行う．</a:t>
+            </a:r>
+            <a:r>
+              <a:rPr lang="ja-JP" altLang="en-US" sz="5400" dirty="0" smtClean="0"/>
+              <a:t>目的変数・・・来場者数　説明変数・・・データ項目</a:t>
+            </a:r>
+            <a:endParaRPr lang="en-US" altLang="ja-JP" sz="5400" dirty="0" smtClean="0"/>
+          </a:p>
+          <a:p>
+            <a:r>
+              <a:rPr lang="ja-JP" altLang="en-US" sz="5400" dirty="0" smtClean="0"/>
+              <a:t>データ項目・・・来場者数，ブースの合計数・運営人数，開催日時，本祭</a:t>
+            </a:r>
+            <a:r>
+              <a:rPr lang="en-US" altLang="ja-JP" sz="5400" dirty="0" smtClean="0"/>
               <a:t>3</a:t>
             </a:r>
             <a:r>
-              <a:rPr lang="ja-JP" altLang="en-US" sz="6000" dirty="0" smtClean="0"/>
-              <a:t>日間の</a:t>
-            </a:r>
-            <a:r>
-              <a:rPr lang="ja-JP" altLang="en-US" sz="6000" dirty="0" smtClean="0"/>
-              <a:t>天候</a:t>
-            </a:r>
-            <a:endParaRPr lang="en-US" altLang="ja-JP" sz="6000" dirty="0"/>
+              <a:rPr lang="ja-JP" altLang="en-US" sz="5400" dirty="0" smtClean="0"/>
+              <a:t>日間の天候</a:t>
+            </a:r>
+            <a:endParaRPr lang="en-US" altLang="ja-JP" sz="5400" dirty="0"/>
           </a:p>
         </p:txBody>
       </p:sp>
@@ -4649,7 +4572,7 @@
         <p:spPr>
           <a:xfrm>
             <a:off x="1152344" y="24519632"/>
-            <a:ext cx="19817525" cy="3785652"/>
+            <a:ext cx="19817525" cy="3416320"/>
           </a:xfrm>
           <a:prstGeom prst="rect">
             <a:avLst/>
@@ -4668,471 +4591,492 @@
           <a:lstStyle/>
           <a:p>
             <a:r>
-              <a:rPr kumimoji="1" lang="ja-JP" altLang="en-US" sz="6000" u="sng" dirty="0" smtClean="0"/>
+              <a:rPr kumimoji="1" lang="ja-JP" altLang="en-US" sz="5400" u="sng" dirty="0" smtClean="0"/>
               <a:t>◎</a:t>
             </a:r>
             <a:r>
-              <a:rPr lang="ja-JP" altLang="en-US" sz="6000" u="sng" dirty="0" smtClean="0"/>
+              <a:rPr lang="ja-JP" altLang="en-US" sz="5400" u="sng" dirty="0" smtClean="0"/>
               <a:t>結果</a:t>
             </a:r>
-            <a:endParaRPr lang="en-US" altLang="ja-JP" sz="6000" u="sng" dirty="0" smtClean="0"/>
+            <a:endParaRPr lang="en-US" altLang="ja-JP" sz="5400" u="sng" dirty="0" smtClean="0"/>
+          </a:p>
+          <a:p>
+            <a:r>
+              <a:rPr lang="ja-JP" altLang="en-US" sz="5400" dirty="0" smtClean="0"/>
+              <a:t>有効的な予測式は立てられなかった．</a:t>
+            </a:r>
+            <a:endParaRPr lang="en-US" altLang="ja-JP" sz="5400" dirty="0" smtClean="0"/>
+          </a:p>
+          <a:p>
+            <a:r>
+              <a:rPr lang="ja-JP" altLang="en-US" sz="5400" dirty="0" smtClean="0"/>
+              <a:t>今回集めたデータ項目の中で関係性があったのは</a:t>
+            </a:r>
+            <a:r>
+              <a:rPr lang="en-US" altLang="ja-JP" sz="5400" dirty="0" smtClean="0"/>
+              <a:t>1</a:t>
+            </a:r>
+            <a:r>
+              <a:rPr lang="ja-JP" altLang="en-US" sz="5400" dirty="0" smtClean="0"/>
+              <a:t>日目の降水量，運営人数であった．</a:t>
+            </a:r>
+            <a:endParaRPr lang="en-US" altLang="ja-JP" sz="5400" dirty="0" smtClean="0"/>
+          </a:p>
+        </p:txBody>
+      </p:sp>
+      <p:sp>
+        <p:nvSpPr>
+          <p:cNvPr id="6" name="テキスト ボックス 5"/>
+          <p:cNvSpPr txBox="1"/>
+          <p:nvPr/>
+        </p:nvSpPr>
+        <p:spPr>
+          <a:xfrm>
+            <a:off x="1260352" y="3931584"/>
+            <a:ext cx="19048117" cy="4247317"/>
+          </a:xfrm>
+          <a:prstGeom prst="rect">
+            <a:avLst/>
+          </a:prstGeom>
+          <a:noFill/>
+          <a:ln>
+            <a:noFill/>
+          </a:ln>
+        </p:spPr>
+        <p:style>
+          <a:lnRef idx="2">
+            <a:schemeClr val="dk1"/>
+          </a:lnRef>
+          <a:fillRef idx="1">
+            <a:schemeClr val="lt1"/>
+          </a:fillRef>
+          <a:effectRef idx="0">
+            <a:schemeClr val="dk1"/>
+          </a:effectRef>
+          <a:fontRef idx="minor">
+            <a:schemeClr val="dk1"/>
+          </a:fontRef>
+        </p:style>
+        <p:txBody>
+          <a:bodyPr wrap="square" rtlCol="0">
+            <a:spAutoFit/>
+          </a:bodyPr>
+          <a:lstStyle/>
+          <a:p>
+            <a:r>
+              <a:rPr kumimoji="1" lang="ja-JP" altLang="en-US" sz="6000" u="sng" dirty="0" smtClean="0">
+                <a:latin typeface="+mj-ea"/>
+                <a:ea typeface="+mj-ea"/>
+              </a:rPr>
+              <a:t>◎背景</a:t>
+            </a:r>
+            <a:endParaRPr lang="en-US" altLang="ja-JP" sz="6000" u="sng" dirty="0">
+              <a:latin typeface="+mj-ea"/>
+              <a:ea typeface="+mj-ea"/>
+            </a:endParaRPr>
           </a:p>
           <a:p>
             <a:r>
               <a:rPr lang="ja-JP" altLang="en-US" sz="6000" dirty="0" smtClean="0"/>
-              <a:t>有効的</a:t>
+              <a:t>近年，津田沼祭の来場者は</a:t>
+            </a:r>
+            <a:r>
+              <a:rPr lang="ja-JP" altLang="en-US" sz="6000" u="sng" dirty="0" smtClean="0">
+                <a:solidFill>
+                  <a:schemeClr val="tx1"/>
+                </a:solidFill>
+              </a:rPr>
+              <a:t>増加傾向</a:t>
             </a:r>
             <a:r>
               <a:rPr lang="ja-JP" altLang="en-US" sz="6000" dirty="0" smtClean="0"/>
-              <a:t>な予測式は立てられなかった</a:t>
-            </a:r>
-            <a:r>
-              <a:rPr lang="ja-JP" altLang="en-US" sz="6000" dirty="0" smtClean="0"/>
-              <a:t>．</a:t>
-            </a:r>
-            <a:endParaRPr lang="en-US" altLang="ja-JP" sz="6000" dirty="0" smtClean="0"/>
-          </a:p>
-          <a:p>
-            <a:r>
-              <a:rPr lang="ja-JP" altLang="en-US" sz="6000" dirty="0" smtClean="0"/>
-              <a:t>今回</a:t>
-            </a:r>
-            <a:r>
-              <a:rPr lang="ja-JP" altLang="en-US" sz="6000" dirty="0" smtClean="0"/>
-              <a:t>集めたデータ項目の中で関係性があったのは</a:t>
-            </a:r>
-            <a:r>
-              <a:rPr lang="en-US" altLang="ja-JP" sz="6000" dirty="0" smtClean="0"/>
-              <a:t>1</a:t>
-            </a:r>
-            <a:r>
-              <a:rPr lang="ja-JP" altLang="en-US" sz="6000" dirty="0" smtClean="0"/>
-              <a:t>日目の降水量，運営人数であった．</a:t>
-            </a:r>
-            <a:endParaRPr lang="en-US" altLang="ja-JP" sz="6000" dirty="0" smtClean="0"/>
+              <a:t>にある．</a:t>
+            </a:r>
+            <a:endParaRPr lang="en-US" altLang="ja-JP" sz="6000" dirty="0"/>
+          </a:p>
+          <a:p>
+            <a:pPr algn="ctr"/>
+            <a:endParaRPr lang="en-US" altLang="ja-JP" sz="4800" dirty="0" smtClean="0"/>
+          </a:p>
+          <a:p>
+            <a:pPr algn="ctr"/>
+            <a:endParaRPr kumimoji="1" lang="en-US" altLang="ja-JP" sz="4800" dirty="0"/>
+          </a:p>
+          <a:p>
+            <a:pPr algn="ctr"/>
+            <a:endParaRPr lang="en-US" altLang="ja-JP" sz="4800" dirty="0" smtClean="0"/>
+          </a:p>
+        </p:txBody>
+      </p:sp>
+      <p:sp>
+        <p:nvSpPr>
+          <p:cNvPr id="5" name="右矢印 4"/>
+          <p:cNvSpPr/>
+          <p:nvPr/>
+        </p:nvSpPr>
+        <p:spPr>
+          <a:xfrm rot="5400000">
+            <a:off x="6864862" y="10714029"/>
+            <a:ext cx="2518797" cy="2918353"/>
+          </a:xfrm>
+          <a:prstGeom prst="rightArrow">
+            <a:avLst>
+              <a:gd name="adj1" fmla="val 44431"/>
+              <a:gd name="adj2" fmla="val 50000"/>
+            </a:avLst>
+          </a:prstGeom>
+          <a:solidFill>
+            <a:schemeClr val="accent2"/>
+          </a:solidFill>
+        </p:spPr>
+        <p:style>
+          <a:lnRef idx="2">
+            <a:schemeClr val="accent1">
+              <a:shade val="50000"/>
+            </a:schemeClr>
+          </a:lnRef>
+          <a:fillRef idx="1">
+            <a:schemeClr val="accent1"/>
+          </a:fillRef>
+          <a:effectRef idx="0">
+            <a:schemeClr val="accent1"/>
+          </a:effectRef>
+          <a:fontRef idx="minor">
+            <a:schemeClr val="lt1"/>
+          </a:fontRef>
+        </p:style>
+        <p:txBody>
+          <a:bodyPr rtlCol="0" anchor="ctr"/>
+          <a:lstStyle/>
+          <a:p>
+            <a:pPr algn="ctr"/>
+            <a:endParaRPr kumimoji="1" lang="ja-JP" altLang="en-US">
+              <a:solidFill>
+                <a:schemeClr val="bg2"/>
+              </a:solidFill>
+            </a:endParaRPr>
           </a:p>
         </p:txBody>
       </p:sp>
       <p:grpSp>
         <p:nvGrpSpPr>
-          <p:cNvPr id="30" name="グループ化 29"/>
+          <p:cNvPr id="15" name="グループ化 14"/>
           <p:cNvGrpSpPr/>
           <p:nvPr/>
         </p:nvGrpSpPr>
         <p:grpSpPr>
           <a:xfrm>
-            <a:off x="1183930" y="3834731"/>
-            <a:ext cx="19785939" cy="16500438"/>
-            <a:chOff x="1183930" y="3834731"/>
-            <a:chExt cx="19785939" cy="16500438"/>
+            <a:off x="1596289" y="6055242"/>
+            <a:ext cx="9751502" cy="3990211"/>
+            <a:chOff x="2556496" y="5533152"/>
+            <a:chExt cx="9751502" cy="3990211"/>
           </a:xfrm>
         </p:grpSpPr>
-        <p:grpSp>
-          <p:nvGrpSpPr>
-            <p:cNvPr id="2" name="グループ化 1"/>
-            <p:cNvGrpSpPr/>
-            <p:nvPr/>
-          </p:nvGrpSpPr>
-          <p:grpSpPr>
-            <a:xfrm>
-              <a:off x="1449341" y="4028438"/>
-              <a:ext cx="19048117" cy="16306731"/>
-              <a:chOff x="1349442" y="3402683"/>
-              <a:chExt cx="19048117" cy="16306731"/>
-            </a:xfrm>
-          </p:grpSpPr>
-          <p:grpSp>
-            <p:nvGrpSpPr>
-              <p:cNvPr id="19" name="グループ化 18"/>
-              <p:cNvGrpSpPr/>
-              <p:nvPr/>
-            </p:nvGrpSpPr>
-            <p:grpSpPr>
-              <a:xfrm>
-                <a:off x="1349442" y="3402683"/>
-                <a:ext cx="19048117" cy="10396152"/>
-                <a:chOff x="1802851" y="3174583"/>
-                <a:chExt cx="19048117" cy="10396152"/>
-              </a:xfrm>
-            </p:grpSpPr>
-            <p:sp>
-              <p:nvSpPr>
-                <p:cNvPr id="6" name="テキスト ボックス 5"/>
-                <p:cNvSpPr txBox="1"/>
-                <p:nvPr/>
-              </p:nvSpPr>
-              <p:spPr>
-                <a:xfrm>
-                  <a:off x="1802851" y="3174583"/>
-                  <a:ext cx="19048117" cy="4247317"/>
-                </a:xfrm>
-                <a:prstGeom prst="rect">
-                  <a:avLst/>
-                </a:prstGeom>
-                <a:noFill/>
-                <a:ln>
-                  <a:noFill/>
-                </a:ln>
-              </p:spPr>
-              <p:style>
-                <a:lnRef idx="2">
-                  <a:schemeClr val="dk1"/>
-                </a:lnRef>
-                <a:fillRef idx="1">
-                  <a:schemeClr val="lt1"/>
-                </a:fillRef>
-                <a:effectRef idx="0">
-                  <a:schemeClr val="dk1"/>
-                </a:effectRef>
-                <a:fontRef idx="minor">
-                  <a:schemeClr val="dk1"/>
-                </a:fontRef>
-              </p:style>
-              <p:txBody>
-                <a:bodyPr wrap="square" rtlCol="0">
-                  <a:spAutoFit/>
-                </a:bodyPr>
-                <a:lstStyle/>
-                <a:p>
-                  <a:r>
-                    <a:rPr kumimoji="1" lang="ja-JP" altLang="en-US" sz="6000" u="sng" dirty="0" smtClean="0">
-                      <a:latin typeface="+mj-ea"/>
-                      <a:ea typeface="+mj-ea"/>
-                    </a:rPr>
-                    <a:t>◎背景</a:t>
-                  </a:r>
-                  <a:endParaRPr lang="en-US" altLang="ja-JP" sz="6000" u="sng" dirty="0">
-                    <a:latin typeface="+mj-ea"/>
-                    <a:ea typeface="+mj-ea"/>
-                  </a:endParaRPr>
-                </a:p>
-                <a:p>
-                  <a:r>
-                    <a:rPr lang="ja-JP" altLang="en-US" sz="6000" dirty="0"/>
-                    <a:t> </a:t>
-                  </a:r>
-                  <a:r>
-                    <a:rPr lang="ja-JP" altLang="en-US" sz="6000" dirty="0" smtClean="0"/>
-                    <a:t>近年</a:t>
-                  </a:r>
-                  <a:r>
-                    <a:rPr lang="ja-JP" altLang="en-US" sz="6000" dirty="0" smtClean="0"/>
-                    <a:t>，津田沼祭の来場者は</a:t>
-                  </a:r>
-                  <a:r>
-                    <a:rPr lang="ja-JP" altLang="en-US" sz="6000" u="sng" dirty="0" smtClean="0">
-                      <a:solidFill>
-                        <a:schemeClr val="tx1"/>
-                      </a:solidFill>
-                    </a:rPr>
-                    <a:t>増加傾向</a:t>
-                  </a:r>
-                  <a:r>
-                    <a:rPr lang="ja-JP" altLang="en-US" sz="6000" dirty="0" smtClean="0"/>
-                    <a:t>にある．</a:t>
-                  </a:r>
-                  <a:endParaRPr lang="en-US" altLang="ja-JP" sz="6000" dirty="0"/>
-                </a:p>
-                <a:p>
-                  <a:pPr algn="ctr"/>
-                  <a:endParaRPr lang="en-US" altLang="ja-JP" sz="4800" dirty="0" smtClean="0"/>
-                </a:p>
-                <a:p>
-                  <a:pPr algn="ctr"/>
-                  <a:endParaRPr kumimoji="1" lang="en-US" altLang="ja-JP" sz="4800" dirty="0"/>
-                </a:p>
-                <a:p>
-                  <a:pPr algn="ctr"/>
-                  <a:endParaRPr lang="en-US" altLang="ja-JP" sz="4800" dirty="0" smtClean="0"/>
-                </a:p>
-              </p:txBody>
-            </p:sp>
-            <p:sp>
-              <p:nvSpPr>
-                <p:cNvPr id="5" name="右矢印 4"/>
-                <p:cNvSpPr/>
-                <p:nvPr/>
-              </p:nvSpPr>
-              <p:spPr>
-                <a:xfrm rot="5400000">
-                  <a:off x="7340286" y="10852160"/>
-                  <a:ext cx="2518797" cy="2918353"/>
-                </a:xfrm>
-                <a:prstGeom prst="rightArrow">
-                  <a:avLst>
-                    <a:gd name="adj1" fmla="val 44431"/>
-                    <a:gd name="adj2" fmla="val 50000"/>
-                  </a:avLst>
-                </a:prstGeom>
-                <a:solidFill>
-                  <a:schemeClr val="accent2"/>
-                </a:solidFill>
-              </p:spPr>
-              <p:style>
-                <a:lnRef idx="2">
-                  <a:schemeClr val="accent1">
-                    <a:shade val="50000"/>
-                  </a:schemeClr>
-                </a:lnRef>
-                <a:fillRef idx="1">
-                  <a:schemeClr val="accent1"/>
-                </a:fillRef>
-                <a:effectRef idx="0">
-                  <a:schemeClr val="accent1"/>
-                </a:effectRef>
-                <a:fontRef idx="minor">
-                  <a:schemeClr val="lt1"/>
-                </a:fontRef>
-              </p:style>
-              <p:txBody>
-                <a:bodyPr rtlCol="0" anchor="ctr"/>
-                <a:lstStyle/>
-                <a:p>
-                  <a:pPr algn="ctr"/>
-                  <a:endParaRPr kumimoji="1" lang="ja-JP" altLang="en-US">
-                    <a:solidFill>
-                      <a:schemeClr val="bg2"/>
-                    </a:solidFill>
-                  </a:endParaRPr>
-                </a:p>
-              </p:txBody>
-            </p:sp>
-            <p:grpSp>
-              <p:nvGrpSpPr>
-                <p:cNvPr id="15" name="グループ化 14"/>
-                <p:cNvGrpSpPr/>
-                <p:nvPr/>
-              </p:nvGrpSpPr>
-              <p:grpSpPr>
-                <a:xfrm>
-                  <a:off x="1862093" y="5298241"/>
-                  <a:ext cx="9751502" cy="3990211"/>
-                  <a:chOff x="2556496" y="5533152"/>
-                  <a:chExt cx="9751502" cy="3990211"/>
-                </a:xfrm>
-              </p:grpSpPr>
-              <p:sp>
-                <p:nvSpPr>
-                  <p:cNvPr id="13" name="円/楕円 12"/>
-                  <p:cNvSpPr/>
-                  <p:nvPr/>
-                </p:nvSpPr>
-                <p:spPr>
-                  <a:xfrm>
-                    <a:off x="2556496" y="5533152"/>
-                    <a:ext cx="8672466" cy="3990211"/>
-                  </a:xfrm>
-                  <a:prstGeom prst="ellipse">
-                    <a:avLst/>
-                  </a:prstGeom>
-                  <a:solidFill>
-                    <a:schemeClr val="bg1"/>
-                  </a:solidFill>
-                </p:spPr>
-                <p:style>
-                  <a:lnRef idx="2">
-                    <a:schemeClr val="accent1">
-                      <a:shade val="50000"/>
-                    </a:schemeClr>
-                  </a:lnRef>
-                  <a:fillRef idx="1">
-                    <a:schemeClr val="accent1"/>
-                  </a:fillRef>
-                  <a:effectRef idx="0">
-                    <a:schemeClr val="accent1"/>
-                  </a:effectRef>
-                  <a:fontRef idx="minor">
-                    <a:schemeClr val="lt1"/>
-                  </a:fontRef>
-                </p:style>
-                <p:txBody>
-                  <a:bodyPr rtlCol="0" anchor="ctr"/>
-                  <a:lstStyle/>
-                  <a:p>
-                    <a:pPr algn="ctr"/>
-                    <a:endParaRPr kumimoji="1" lang="ja-JP" altLang="en-US"/>
-                  </a:p>
-                </p:txBody>
-              </p:sp>
-              <p:sp>
-                <p:nvSpPr>
-                  <p:cNvPr id="7" name="テキスト ボックス 6"/>
-                  <p:cNvSpPr txBox="1"/>
-                  <p:nvPr/>
-                </p:nvSpPr>
-                <p:spPr>
-                  <a:xfrm>
-                    <a:off x="3143087" y="6483181"/>
-                    <a:ext cx="9164911" cy="1877437"/>
-                  </a:xfrm>
-                  <a:prstGeom prst="rect">
-                    <a:avLst/>
-                  </a:prstGeom>
-                  <a:noFill/>
-                </p:spPr>
-                <p:txBody>
-                  <a:bodyPr wrap="square" rtlCol="0">
-                    <a:spAutoFit/>
-                  </a:bodyPr>
-                  <a:lstStyle/>
-                  <a:p>
-                    <a:r>
-                      <a:rPr lang="ja-JP" altLang="en-US" b="1" dirty="0">
-                        <a:latin typeface="+mj-ea"/>
-                      </a:rPr>
-                      <a:t>しかし問題も・・・</a:t>
-                    </a:r>
-                    <a:endParaRPr lang="en-US" altLang="ja-JP" b="1" dirty="0">
-                      <a:latin typeface="+mj-ea"/>
-                    </a:endParaRPr>
-                  </a:p>
-                  <a:p>
-                    <a:r>
-                      <a:rPr kumimoji="1" lang="ja-JP" altLang="en-US" dirty="0" smtClean="0"/>
-                      <a:t>人の将棋倒し，迷子</a:t>
-                    </a:r>
-                    <a:r>
-                      <a:rPr kumimoji="1" lang="en-US" altLang="ja-JP" dirty="0" err="1" smtClean="0"/>
-                      <a:t>etc</a:t>
-                    </a:r>
-                    <a:r>
-                      <a:rPr lang="en-US" altLang="ja-JP" dirty="0" smtClean="0"/>
-                      <a:t>…</a:t>
-                    </a:r>
-                  </a:p>
-                </p:txBody>
-              </p:sp>
-            </p:grpSp>
-            <p:sp>
-              <p:nvSpPr>
-                <p:cNvPr id="10" name="正方形/長方形 9"/>
-                <p:cNvSpPr/>
-                <p:nvPr/>
-              </p:nvSpPr>
-              <p:spPr>
-                <a:xfrm>
-                  <a:off x="2449776" y="10238481"/>
-                  <a:ext cx="5907125" cy="1569660"/>
-                </a:xfrm>
-                <a:prstGeom prst="rect">
-                  <a:avLst/>
-                </a:prstGeom>
-              </p:spPr>
-              <p:txBody>
-                <a:bodyPr wrap="square">
-                  <a:spAutoFit/>
-                </a:bodyPr>
-                <a:lstStyle/>
-                <a:p>
-                  <a:r>
-                    <a:rPr lang="ja-JP" altLang="en-US" sz="9600" dirty="0" smtClean="0"/>
-                    <a:t>そこで！</a:t>
-                  </a:r>
-                  <a:endParaRPr lang="ja-JP" altLang="en-US" sz="9600" dirty="0"/>
-                </a:p>
-              </p:txBody>
-            </p:sp>
-          </p:grpSp>
-          <p:sp>
-            <p:nvSpPr>
-              <p:cNvPr id="18" name="テキスト ボックス 17"/>
-              <p:cNvSpPr txBox="1"/>
-              <p:nvPr/>
-            </p:nvSpPr>
-            <p:spPr>
-              <a:xfrm>
-                <a:off x="1349442" y="12969107"/>
-                <a:ext cx="18605772" cy="6740307"/>
-              </a:xfrm>
-              <a:prstGeom prst="rect">
-                <a:avLst/>
-              </a:prstGeom>
-              <a:noFill/>
-            </p:spPr>
-            <p:txBody>
-              <a:bodyPr wrap="square" rtlCol="0">
-                <a:spAutoFit/>
-              </a:bodyPr>
-              <a:lstStyle/>
-              <a:p>
-                <a:r>
-                  <a:rPr kumimoji="1" lang="ja-JP" altLang="en-US" sz="6000" u="sng" dirty="0" smtClean="0"/>
-                  <a:t>◎目的</a:t>
-                </a:r>
-                <a:r>
-                  <a:rPr kumimoji="1" lang="ja-JP" altLang="en-US" sz="6000" dirty="0" smtClean="0"/>
-                  <a:t>　</a:t>
-                </a:r>
-                <a:endParaRPr kumimoji="1" lang="en-US" altLang="ja-JP" sz="6000" dirty="0" smtClean="0"/>
-              </a:p>
-              <a:p>
-                <a:r>
-                  <a:rPr kumimoji="1" lang="ja-JP" altLang="en-US" sz="6000" dirty="0" smtClean="0"/>
-                  <a:t>来場者数</a:t>
-                </a:r>
-                <a:r>
-                  <a:rPr kumimoji="1" lang="ja-JP" altLang="en-US" sz="6000" dirty="0" smtClean="0"/>
-                  <a:t>を</a:t>
-                </a:r>
-                <a:r>
-                  <a:rPr kumimoji="1" lang="ja-JP" altLang="en-US" sz="6000" dirty="0" smtClean="0"/>
-                  <a:t>予測</a:t>
-                </a:r>
-                <a:r>
-                  <a:rPr lang="ja-JP" altLang="en-US" sz="6000" dirty="0" smtClean="0"/>
-                  <a:t>できるようにしよう！</a:t>
-                </a:r>
-                <a:endParaRPr lang="en-US" altLang="ja-JP" sz="6000" dirty="0" smtClean="0"/>
-              </a:p>
-              <a:p>
-                <a:r>
-                  <a:rPr lang="ja-JP" altLang="en-US" sz="6000" u="sng" dirty="0" smtClean="0"/>
-                  <a:t>◎予測できることでのメリット</a:t>
-                </a:r>
-                <a:endParaRPr lang="en-US" altLang="ja-JP" sz="6000" u="sng" dirty="0" smtClean="0"/>
-              </a:p>
-              <a:p>
-                <a:r>
-                  <a:rPr kumimoji="1" lang="ja-JP" altLang="en-US" sz="6000" dirty="0" smtClean="0"/>
-                  <a:t>・予測した来場者数と類似している年に起こった事件を対応できるようになる．</a:t>
-                </a:r>
-                <a:endParaRPr kumimoji="1" lang="en-US" altLang="ja-JP" sz="6000" dirty="0" smtClean="0"/>
-              </a:p>
-              <a:p>
-                <a:r>
-                  <a:rPr lang="ja-JP" altLang="en-US" sz="6000" dirty="0" smtClean="0"/>
-                  <a:t>・来場者数に応じて最適人数で運営できる．</a:t>
-                </a:r>
-                <a:endParaRPr kumimoji="1" lang="en-US" altLang="ja-JP" sz="6000" dirty="0" smtClean="0"/>
-              </a:p>
-              <a:p>
-                <a:r>
-                  <a:rPr lang="ja-JP" altLang="en-US" sz="6000" b="1" dirty="0"/>
-                  <a:t>　</a:t>
-                </a:r>
-                <a:endParaRPr kumimoji="1" lang="ja-JP" altLang="en-US" sz="6000" b="1" dirty="0"/>
-              </a:p>
-            </p:txBody>
-          </p:sp>
-        </p:grpSp>
         <p:sp>
           <p:nvSpPr>
-            <p:cNvPr id="9" name="正方形/長方形 8"/>
+            <p:cNvPr id="13" name="円/楕円 12"/>
             <p:cNvSpPr/>
             <p:nvPr/>
           </p:nvSpPr>
           <p:spPr>
             <a:xfrm>
-              <a:off x="1183930" y="3834731"/>
-              <a:ext cx="19785939" cy="15553728"/>
+              <a:off x="2556496" y="5533152"/>
+              <a:ext cx="8672466" cy="3990211"/>
+            </a:xfrm>
+            <a:prstGeom prst="ellipse">
+              <a:avLst/>
+            </a:prstGeom>
+            <a:solidFill>
+              <a:schemeClr val="bg1"/>
+            </a:solidFill>
+          </p:spPr>
+          <p:style>
+            <a:lnRef idx="2">
+              <a:schemeClr val="accent1">
+                <a:shade val="50000"/>
+              </a:schemeClr>
+            </a:lnRef>
+            <a:fillRef idx="1">
+              <a:schemeClr val="accent1"/>
+            </a:fillRef>
+            <a:effectRef idx="0">
+              <a:schemeClr val="accent1"/>
+            </a:effectRef>
+            <a:fontRef idx="minor">
+              <a:schemeClr val="lt1"/>
+            </a:fontRef>
+          </p:style>
+          <p:txBody>
+            <a:bodyPr rtlCol="0" anchor="ctr"/>
+            <a:lstStyle/>
+            <a:p>
+              <a:pPr algn="ctr"/>
+              <a:endParaRPr kumimoji="1" lang="ja-JP" altLang="en-US"/>
+            </a:p>
+          </p:txBody>
+        </p:sp>
+        <p:sp>
+          <p:nvSpPr>
+            <p:cNvPr id="7" name="テキスト ボックス 6"/>
+            <p:cNvSpPr txBox="1"/>
+            <p:nvPr/>
+          </p:nvSpPr>
+          <p:spPr>
+            <a:xfrm>
+              <a:off x="3143087" y="6483181"/>
+              <a:ext cx="9164911" cy="1877437"/>
             </a:xfrm>
             <a:prstGeom prst="rect">
               <a:avLst/>
             </a:prstGeom>
             <a:noFill/>
+          </p:spPr>
+          <p:txBody>
+            <a:bodyPr wrap="square" rtlCol="0">
+              <a:spAutoFit/>
+            </a:bodyPr>
+            <a:lstStyle/>
+            <a:p>
+              <a:r>
+                <a:rPr lang="ja-JP" altLang="en-US" b="1" dirty="0">
+                  <a:latin typeface="+mj-ea"/>
+                </a:rPr>
+                <a:t>しかし問題も・・・</a:t>
+              </a:r>
+              <a:endParaRPr lang="en-US" altLang="ja-JP" b="1" dirty="0">
+                <a:latin typeface="+mj-ea"/>
+              </a:endParaRPr>
+            </a:p>
+            <a:p>
+              <a:r>
+                <a:rPr kumimoji="1" lang="ja-JP" altLang="en-US" dirty="0" smtClean="0"/>
+                <a:t>人の将棋倒し，迷子</a:t>
+              </a:r>
+              <a:r>
+                <a:rPr kumimoji="1" lang="en-US" altLang="ja-JP" dirty="0" err="1" smtClean="0"/>
+                <a:t>etc</a:t>
+              </a:r>
+              <a:r>
+                <a:rPr lang="en-US" altLang="ja-JP" dirty="0" smtClean="0"/>
+                <a:t>…</a:t>
+              </a:r>
+            </a:p>
+          </p:txBody>
+        </p:sp>
+      </p:grpSp>
+      <p:sp>
+        <p:nvSpPr>
+          <p:cNvPr id="10" name="正方形/長方形 9"/>
+          <p:cNvSpPr/>
+          <p:nvPr/>
+        </p:nvSpPr>
+        <p:spPr>
+          <a:xfrm>
+            <a:off x="2170213" y="11452562"/>
+            <a:ext cx="5907125" cy="1569660"/>
+          </a:xfrm>
+          <a:prstGeom prst="rect">
+            <a:avLst/>
+          </a:prstGeom>
+        </p:spPr>
+        <p:txBody>
+          <a:bodyPr wrap="square">
+            <a:spAutoFit/>
+          </a:bodyPr>
+          <a:lstStyle/>
+          <a:p>
+            <a:r>
+              <a:rPr lang="ja-JP" altLang="en-US" sz="9600" dirty="0" smtClean="0"/>
+              <a:t>そこで！</a:t>
+            </a:r>
+            <a:endParaRPr lang="ja-JP" altLang="en-US" sz="9600" dirty="0"/>
+          </a:p>
+        </p:txBody>
+      </p:sp>
+      <p:sp>
+        <p:nvSpPr>
+          <p:cNvPr id="18" name="テキスト ボックス 17"/>
+          <p:cNvSpPr txBox="1"/>
+          <p:nvPr/>
+        </p:nvSpPr>
+        <p:spPr>
+          <a:xfrm>
+            <a:off x="1137584" y="16566987"/>
+            <a:ext cx="19832285" cy="3416320"/>
+          </a:xfrm>
+          <a:prstGeom prst="rect">
+            <a:avLst/>
+          </a:prstGeom>
+          <a:noFill/>
+          <a:ln>
+            <a:solidFill>
+              <a:srgbClr val="FFC000"/>
+            </a:solidFill>
+          </a:ln>
+        </p:spPr>
+        <p:txBody>
+          <a:bodyPr wrap="square" rtlCol="0">
+            <a:spAutoFit/>
+          </a:bodyPr>
+          <a:lstStyle/>
+          <a:p>
+            <a:r>
+              <a:rPr lang="ja-JP" altLang="en-US" sz="5400" u="sng" dirty="0" smtClean="0"/>
+              <a:t>◎予測できることでのメリット</a:t>
+            </a:r>
+            <a:endParaRPr lang="en-US" altLang="ja-JP" sz="5400" u="sng" dirty="0" smtClean="0"/>
+          </a:p>
+          <a:p>
+            <a:r>
+              <a:rPr kumimoji="1" lang="ja-JP" altLang="en-US" sz="5400" dirty="0" smtClean="0"/>
+              <a:t>・予測した来場者数と類似している年に起こった事件を対応できるようになる．</a:t>
+            </a:r>
+            <a:endParaRPr kumimoji="1" lang="en-US" altLang="ja-JP" sz="5400" dirty="0" smtClean="0"/>
+          </a:p>
+          <a:p>
+            <a:r>
+              <a:rPr lang="ja-JP" altLang="en-US" sz="5400" dirty="0" smtClean="0"/>
+              <a:t>・来場者数に応じて最適人数で運営できる．</a:t>
+            </a:r>
+            <a:endParaRPr kumimoji="1" lang="en-US" altLang="ja-JP" sz="5400" dirty="0" smtClean="0"/>
+          </a:p>
+        </p:txBody>
+      </p:sp>
+      <p:sp>
+        <p:nvSpPr>
+          <p:cNvPr id="9" name="正方形/長方形 8"/>
+          <p:cNvSpPr/>
+          <p:nvPr/>
+        </p:nvSpPr>
+        <p:spPr>
+          <a:xfrm>
+            <a:off x="1137584" y="3834731"/>
+            <a:ext cx="19832285" cy="10589859"/>
+          </a:xfrm>
+          <a:prstGeom prst="rect">
+            <a:avLst/>
+          </a:prstGeom>
+          <a:noFill/>
+          <a:ln>
+            <a:solidFill>
+              <a:srgbClr val="00B050"/>
+            </a:solidFill>
+          </a:ln>
+        </p:spPr>
+        <p:style>
+          <a:lnRef idx="2">
+            <a:schemeClr val="accent1">
+              <a:shade val="50000"/>
+            </a:schemeClr>
+          </a:lnRef>
+          <a:fillRef idx="1">
+            <a:schemeClr val="accent1"/>
+          </a:fillRef>
+          <a:effectRef idx="0">
+            <a:schemeClr val="accent1"/>
+          </a:effectRef>
+          <a:fontRef idx="minor">
+            <a:schemeClr val="lt1"/>
+          </a:fontRef>
+        </p:style>
+        <p:txBody>
+          <a:bodyPr rtlCol="0" anchor="ctr"/>
+          <a:lstStyle/>
+          <a:p>
+            <a:pPr algn="ctr"/>
+            <a:endParaRPr kumimoji="1" lang="ja-JP" altLang="en-US"/>
+          </a:p>
+        </p:txBody>
+      </p:sp>
+      <p:grpSp>
+        <p:nvGrpSpPr>
+          <p:cNvPr id="11" name="グループ化 10"/>
+          <p:cNvGrpSpPr/>
+          <p:nvPr/>
+        </p:nvGrpSpPr>
+        <p:grpSpPr>
+          <a:xfrm>
+            <a:off x="10408735" y="5850955"/>
+            <a:ext cx="10561134" cy="8077890"/>
+            <a:chOff x="10408735" y="6463730"/>
+            <a:chExt cx="10561134" cy="8077890"/>
+          </a:xfrm>
+        </p:grpSpPr>
+        <p:graphicFrame>
+          <p:nvGraphicFramePr>
+            <p:cNvPr id="23" name="オブジェクト 22"/>
+            <p:cNvGraphicFramePr>
+              <a:graphicFrameLocks noChangeAspect="1"/>
+            </p:cNvGraphicFramePr>
+            <p:nvPr>
+              <p:extLst>
+                <p:ext uri="{D42A27DB-BD31-4B8C-83A1-F6EECF244321}">
+                  <p14:modId xmlns:p14="http://schemas.microsoft.com/office/powerpoint/2010/main" val="3853819677"/>
+                </p:ext>
+              </p:extLst>
+            </p:nvPr>
+          </p:nvGraphicFramePr>
+          <p:xfrm>
+            <a:off x="10408735" y="7189218"/>
+            <a:ext cx="10219838" cy="7352402"/>
+          </p:xfrm>
+          <a:graphic>
+            <a:graphicData uri="http://schemas.openxmlformats.org/presentationml/2006/ole">
+              <mc:AlternateContent xmlns:mc="http://schemas.openxmlformats.org/markup-compatibility/2006">
+                <mc:Choice xmlns:v="urn:schemas-microsoft-com:vml" Requires="v">
+                  <p:oleObj spid="_x0000_s1057" name="ワークシート" r:id="rId5" imgW="16108682" imgH="11588456" progId="Excel.Sheet.12">
+                    <p:embed/>
+                  </p:oleObj>
+                </mc:Choice>
+                <mc:Fallback>
+                  <p:oleObj name="ワークシート" r:id="rId5" imgW="16108682" imgH="11588456" progId="Excel.Sheet.12">
+                    <p:embed/>
+                    <p:pic>
+                      <p:nvPicPr>
+                        <p:cNvPr id="0" name=""/>
+                        <p:cNvPicPr/>
+                        <p:nvPr/>
+                      </p:nvPicPr>
+                      <p:blipFill>
+                        <a:blip r:embed="rId6"/>
+                        <a:stretch>
+                          <a:fillRect/>
+                        </a:stretch>
+                      </p:blipFill>
+                      <p:spPr>
+                        <a:xfrm>
+                          <a:off x="10408735" y="7189218"/>
+                          <a:ext cx="10219838" cy="7352402"/>
+                        </a:xfrm>
+                        <a:prstGeom prst="rect">
+                          <a:avLst/>
+                        </a:prstGeom>
+                      </p:spPr>
+                    </p:pic>
+                  </p:oleObj>
+                </mc:Fallback>
+              </mc:AlternateContent>
+            </a:graphicData>
+          </a:graphic>
+        </p:graphicFrame>
+        <p:sp>
+          <p:nvSpPr>
+            <p:cNvPr id="4" name="円/楕円 3"/>
+            <p:cNvSpPr/>
+            <p:nvPr/>
+          </p:nvSpPr>
+          <p:spPr>
+            <a:xfrm>
+              <a:off x="18644610" y="7393737"/>
+              <a:ext cx="1702715" cy="1702715"/>
+            </a:xfrm>
+            <a:prstGeom prst="ellipse">
+              <a:avLst/>
+            </a:prstGeom>
+            <a:noFill/>
             <a:ln>
               <a:solidFill>
-                <a:srgbClr val="00B050"/>
+                <a:srgbClr val="FF0000"/>
               </a:solidFill>
             </a:ln>
           </p:spPr>
@@ -5161,87 +5105,41 @@
             </a:p>
           </p:txBody>
         </p:sp>
+        <p:sp>
+          <p:nvSpPr>
+            <p:cNvPr id="8" name="テキスト ボックス 7"/>
+            <p:cNvSpPr txBox="1"/>
+            <p:nvPr/>
+          </p:nvSpPr>
+          <p:spPr>
+            <a:xfrm>
+              <a:off x="15129809" y="6463730"/>
+              <a:ext cx="5840060" cy="707886"/>
+            </a:xfrm>
+            <a:prstGeom prst="rect">
+              <a:avLst/>
+            </a:prstGeom>
+            <a:noFill/>
+          </p:spPr>
+          <p:txBody>
+            <a:bodyPr wrap="none" rtlCol="0">
+              <a:spAutoFit/>
+            </a:bodyPr>
+            <a:lstStyle/>
+            <a:p>
+              <a:r>
+                <a:rPr kumimoji="1" lang="en-US" altLang="ja-JP" sz="4000" dirty="0" smtClean="0"/>
+                <a:t>2015</a:t>
+              </a:r>
+              <a:r>
+                <a:rPr kumimoji="1" lang="ja-JP" altLang="en-US" sz="4000" dirty="0" smtClean="0"/>
+                <a:t>年度最高来場者数！</a:t>
+              </a:r>
+              <a:endParaRPr kumimoji="1" lang="ja-JP" altLang="en-US" sz="4000" dirty="0"/>
+            </a:p>
+          </p:txBody>
+        </p:sp>
       </p:grpSp>
-      <p:sp>
-        <p:nvSpPr>
-          <p:cNvPr id="4" name="円/楕円 3"/>
-          <p:cNvSpPr/>
-          <p:nvPr/>
-        </p:nvSpPr>
-        <p:spPr>
-          <a:xfrm>
-            <a:off x="18644610" y="7393737"/>
-            <a:ext cx="1702715" cy="1702715"/>
-          </a:xfrm>
-          <a:prstGeom prst="ellipse">
-            <a:avLst/>
-          </a:prstGeom>
-          <a:noFill/>
-          <a:ln>
-            <a:solidFill>
-              <a:srgbClr val="FF0000"/>
-            </a:solidFill>
-          </a:ln>
-        </p:spPr>
-        <p:style>
-          <a:lnRef idx="2">
-            <a:schemeClr val="accent1">
-              <a:shade val="50000"/>
-            </a:schemeClr>
-          </a:lnRef>
-          <a:fillRef idx="1">
-            <a:schemeClr val="accent1"/>
-          </a:fillRef>
-          <a:effectRef idx="0">
-            <a:schemeClr val="accent1"/>
-          </a:effectRef>
-          <a:fontRef idx="minor">
-            <a:schemeClr val="lt1"/>
-          </a:fontRef>
-        </p:style>
-        <p:txBody>
-          <a:bodyPr rtlCol="0" anchor="ctr"/>
-          <a:lstStyle/>
-          <a:p>
-            <a:pPr algn="ctr"/>
-            <a:endParaRPr kumimoji="1" lang="ja-JP" altLang="en-US"/>
-          </a:p>
-        </p:txBody>
-      </p:sp>
-      <p:sp>
-        <p:nvSpPr>
-          <p:cNvPr id="8" name="テキスト ボックス 7"/>
-          <p:cNvSpPr txBox="1"/>
-          <p:nvPr/>
-        </p:nvSpPr>
-        <p:spPr>
-          <a:xfrm>
-            <a:off x="15129809" y="6463730"/>
-            <a:ext cx="5840060" cy="707886"/>
-          </a:xfrm>
-          <a:prstGeom prst="rect">
-            <a:avLst/>
-          </a:prstGeom>
-          <a:noFill/>
-        </p:spPr>
-        <p:txBody>
-          <a:bodyPr wrap="none" rtlCol="0">
-            <a:spAutoFit/>
-          </a:bodyPr>
-          <a:lstStyle/>
-          <a:p>
-            <a:r>
-              <a:rPr kumimoji="1" lang="en-US" altLang="ja-JP" sz="4000" dirty="0" smtClean="0"/>
-              <a:t>2015</a:t>
-            </a:r>
-            <a:r>
-              <a:rPr kumimoji="1" lang="ja-JP" altLang="en-US" sz="4000" dirty="0" smtClean="0"/>
-              <a:t>年度最高来場者数！</a:t>
-            </a:r>
-            <a:endParaRPr kumimoji="1" lang="ja-JP" altLang="en-US" sz="4000" dirty="0"/>
-          </a:p>
-        </p:txBody>
-      </p:sp>
       <p:graphicFrame>
         <p:nvGraphicFramePr>
           <p:cNvPr id="29" name="オブジェクト 28"/>
@@ -5264,12 +5162,12 @@
           <a:graphicData uri="http://schemas.openxmlformats.org/presentationml/2006/ole">
             <mc:AlternateContent xmlns:mc="http://schemas.openxmlformats.org/markup-compatibility/2006">
               <mc:Choice xmlns:v="urn:schemas-microsoft-com:vml" Requires="v">
-                <p:oleObj spid="_x0000_s1054" name="ワークシート" r:id="rId6" imgW="7553411" imgH="1428670" progId="Excel.Sheet.12">
+                <p:oleObj spid="_x0000_s1058" name="ワークシート" r:id="rId8" imgW="7553411" imgH="1428670" progId="Excel.Sheet.12">
                   <p:embed/>
                 </p:oleObj>
               </mc:Choice>
               <mc:Fallback>
-                <p:oleObj name="ワークシート" r:id="rId6" imgW="7553411" imgH="1428670" progId="Excel.Sheet.12">
+                <p:oleObj name="ワークシート" r:id="rId8" imgW="7553411" imgH="1428670" progId="Excel.Sheet.12">
                   <p:embed/>
                   <p:pic>
                     <p:nvPicPr>
@@ -5278,7 +5176,7 @@
                       <p:nvPr/>
                     </p:nvPicPr>
                     <p:blipFill>
-                      <a:blip r:embed="rId7"/>
+                      <a:blip r:embed="rId9"/>
                       <a:stretch>
                         <a:fillRect/>
                       </a:stretch>
@@ -5299,6 +5197,109 @@
           </a:graphicData>
         </a:graphic>
       </p:graphicFrame>
+      <p:grpSp>
+        <p:nvGrpSpPr>
+          <p:cNvPr id="20" name="グループ化 19"/>
+          <p:cNvGrpSpPr/>
+          <p:nvPr/>
+        </p:nvGrpSpPr>
+        <p:grpSpPr>
+          <a:xfrm>
+            <a:off x="1144985" y="14658304"/>
+            <a:ext cx="19824884" cy="1793609"/>
+            <a:chOff x="1283826" y="14778683"/>
+            <a:chExt cx="19824884" cy="1793609"/>
+          </a:xfrm>
+        </p:grpSpPr>
+        <p:sp>
+          <p:nvSpPr>
+            <p:cNvPr id="14" name="正方形/長方形 13"/>
+            <p:cNvSpPr/>
+            <p:nvPr/>
+          </p:nvSpPr>
+          <p:spPr>
+            <a:xfrm>
+              <a:off x="1283826" y="14778683"/>
+              <a:ext cx="19824884" cy="1793609"/>
+            </a:xfrm>
+            <a:prstGeom prst="rect">
+              <a:avLst/>
+            </a:prstGeom>
+            <a:solidFill>
+              <a:schemeClr val="bg1"/>
+            </a:solidFill>
+            <a:ln>
+              <a:solidFill>
+                <a:srgbClr val="7030A0"/>
+              </a:solidFill>
+            </a:ln>
+          </p:spPr>
+          <p:style>
+            <a:lnRef idx="2">
+              <a:schemeClr val="accent1">
+                <a:shade val="50000"/>
+              </a:schemeClr>
+            </a:lnRef>
+            <a:fillRef idx="1">
+              <a:schemeClr val="accent1"/>
+            </a:fillRef>
+            <a:effectRef idx="0">
+              <a:schemeClr val="accent1"/>
+            </a:effectRef>
+            <a:fontRef idx="minor">
+              <a:schemeClr val="lt1"/>
+            </a:fontRef>
+          </p:style>
+          <p:txBody>
+            <a:bodyPr rtlCol="0" anchor="ctr"/>
+            <a:lstStyle/>
+            <a:p>
+              <a:pPr algn="ctr"/>
+              <a:endParaRPr kumimoji="1" lang="ja-JP" altLang="en-US"/>
+            </a:p>
+          </p:txBody>
+        </p:sp>
+        <p:sp>
+          <p:nvSpPr>
+            <p:cNvPr id="12" name="正方形/長方形 11"/>
+            <p:cNvSpPr/>
+            <p:nvPr/>
+          </p:nvSpPr>
+          <p:spPr>
+            <a:xfrm>
+              <a:off x="1327185" y="14813409"/>
+              <a:ext cx="10693400" cy="1754326"/>
+            </a:xfrm>
+            <a:prstGeom prst="rect">
+              <a:avLst/>
+            </a:prstGeom>
+          </p:spPr>
+          <p:txBody>
+            <a:bodyPr>
+              <a:spAutoFit/>
+            </a:bodyPr>
+            <a:lstStyle/>
+            <a:p>
+              <a:r>
+                <a:rPr lang="ja-JP" altLang="en-US" sz="5400" u="sng" dirty="0"/>
+                <a:t>◎目的</a:t>
+              </a:r>
+              <a:r>
+                <a:rPr lang="ja-JP" altLang="en-US" sz="5400" dirty="0"/>
+                <a:t>　</a:t>
+              </a:r>
+              <a:endParaRPr lang="en-US" altLang="ja-JP" sz="5400" dirty="0"/>
+            </a:p>
+            <a:p>
+              <a:r>
+                <a:rPr lang="ja-JP" altLang="en-US" sz="5400" dirty="0"/>
+                <a:t>来場者数を予測できるようにしよう！</a:t>
+              </a:r>
+              <a:endParaRPr lang="en-US" altLang="ja-JP" sz="5400" dirty="0"/>
+            </a:p>
+          </p:txBody>
+        </p:sp>
+      </p:grpSp>
     </p:spTree>
     <p:extLst>
       <p:ext uri="{BB962C8B-B14F-4D97-AF65-F5344CB8AC3E}">
